--- a/宣道詩/(宣道詩113)在我心裡常吟讚美歌.pptx
+++ b/宣道詩/(宣道詩113)在我心裡常吟讚美歌.pptx
@@ -5,12 +5,19 @@
     <p:sldMasterId id="2147483660" r:id="rId1"/>
   </p:sldMasterIdLst>
   <p:sldIdLst>
-    <p:sldId id="256" r:id="rId2"/>
-    <p:sldId id="257" r:id="rId3"/>
-    <p:sldId id="258" r:id="rId4"/>
-    <p:sldId id="259" r:id="rId5"/>
-    <p:sldId id="260" r:id="rId6"/>
-    <p:sldId id="261" r:id="rId7"/>
+    <p:sldId id="262" r:id="rId2"/>
+    <p:sldId id="263" r:id="rId3"/>
+    <p:sldId id="264" r:id="rId4"/>
+    <p:sldId id="265" r:id="rId5"/>
+    <p:sldId id="266" r:id="rId6"/>
+    <p:sldId id="267" r:id="rId7"/>
+    <p:sldId id="268" r:id="rId8"/>
+    <p:sldId id="269" r:id="rId9"/>
+    <p:sldId id="270" r:id="rId10"/>
+    <p:sldId id="271" r:id="rId11"/>
+    <p:sldId id="272" r:id="rId12"/>
+    <p:sldId id="273" r:id="rId13"/>
+    <p:sldId id="274" r:id="rId14"/>
   </p:sldIdLst>
   <p:sldSz cx="9144000" cy="5143500" type="screen16x9"/>
   <p:notesSz cx="6858000" cy="9144000"/>
@@ -109,6 +116,22 @@
       </a:defRPr>
     </a:lvl9pPr>
   </p:defaultTextStyle>
+  <p:extLst>
+    <p:ext uri="{EFAFB233-063F-42B5-8137-9DF3F51BA10A}">
+      <p15:sldGuideLst xmlns:p15="http://schemas.microsoft.com/office/powerpoint/2012/main">
+        <p15:guide id="1" orient="horz" pos="1620">
+          <p15:clr>
+            <a:srgbClr val="A4A3A4"/>
+          </p15:clr>
+        </p15:guide>
+        <p15:guide id="2" pos="2880">
+          <p15:clr>
+            <a:srgbClr val="A4A3A4"/>
+          </p15:clr>
+        </p15:guide>
+      </p15:sldGuideLst>
+    </p:ext>
+  </p:extLst>
 </p:presentation>
 </file>
 
@@ -293,7 +316,7 @@
           <a:p>
             <a:fld id="{A2B5D7EE-74BC-4BDC-AE2A-3936D1310525}" type="datetimeFigureOut">
               <a:rPr lang="zh-TW" altLang="en-US" smtClean="0"/>
-              <a:t>2019/8/3</a:t>
+              <a:t>2021/5/8</a:t>
             </a:fld>
             <a:endParaRPr lang="zh-TW" altLang="en-US"/>
           </a:p>
@@ -458,7 +481,7 @@
           <a:p>
             <a:fld id="{A2B5D7EE-74BC-4BDC-AE2A-3936D1310525}" type="datetimeFigureOut">
               <a:rPr lang="zh-TW" altLang="en-US" smtClean="0"/>
-              <a:t>2019/8/3</a:t>
+              <a:t>2021/5/8</a:t>
             </a:fld>
             <a:endParaRPr lang="zh-TW" altLang="en-US"/>
           </a:p>
@@ -633,7 +656,7 @@
           <a:p>
             <a:fld id="{A2B5D7EE-74BC-4BDC-AE2A-3936D1310525}" type="datetimeFigureOut">
               <a:rPr lang="zh-TW" altLang="en-US" smtClean="0"/>
-              <a:t>2019/8/3</a:t>
+              <a:t>2021/5/8</a:t>
             </a:fld>
             <a:endParaRPr lang="zh-TW" altLang="en-US"/>
           </a:p>
@@ -798,7 +821,7 @@
           <a:p>
             <a:fld id="{A2B5D7EE-74BC-4BDC-AE2A-3936D1310525}" type="datetimeFigureOut">
               <a:rPr lang="zh-TW" altLang="en-US" smtClean="0"/>
-              <a:t>2019/8/3</a:t>
+              <a:t>2021/5/8</a:t>
             </a:fld>
             <a:endParaRPr lang="zh-TW" altLang="en-US"/>
           </a:p>
@@ -1039,7 +1062,7 @@
           <a:p>
             <a:fld id="{A2B5D7EE-74BC-4BDC-AE2A-3936D1310525}" type="datetimeFigureOut">
               <a:rPr lang="zh-TW" altLang="en-US" smtClean="0"/>
-              <a:t>2019/8/3</a:t>
+              <a:t>2021/5/8</a:t>
             </a:fld>
             <a:endParaRPr lang="zh-TW" altLang="en-US"/>
           </a:p>
@@ -1322,7 +1345,7 @@
           <a:p>
             <a:fld id="{A2B5D7EE-74BC-4BDC-AE2A-3936D1310525}" type="datetimeFigureOut">
               <a:rPr lang="zh-TW" altLang="en-US" smtClean="0"/>
-              <a:t>2019/8/3</a:t>
+              <a:t>2021/5/8</a:t>
             </a:fld>
             <a:endParaRPr lang="zh-TW" altLang="en-US"/>
           </a:p>
@@ -1739,7 +1762,7 @@
           <a:p>
             <a:fld id="{A2B5D7EE-74BC-4BDC-AE2A-3936D1310525}" type="datetimeFigureOut">
               <a:rPr lang="zh-TW" altLang="en-US" smtClean="0"/>
-              <a:t>2019/8/3</a:t>
+              <a:t>2021/5/8</a:t>
             </a:fld>
             <a:endParaRPr lang="zh-TW" altLang="en-US"/>
           </a:p>
@@ -1852,7 +1875,7 @@
           <a:p>
             <a:fld id="{A2B5D7EE-74BC-4BDC-AE2A-3936D1310525}" type="datetimeFigureOut">
               <a:rPr lang="zh-TW" altLang="en-US" smtClean="0"/>
-              <a:t>2019/8/3</a:t>
+              <a:t>2021/5/8</a:t>
             </a:fld>
             <a:endParaRPr lang="zh-TW" altLang="en-US"/>
           </a:p>
@@ -1942,7 +1965,7 @@
           <a:p>
             <a:fld id="{A2B5D7EE-74BC-4BDC-AE2A-3936D1310525}" type="datetimeFigureOut">
               <a:rPr lang="zh-TW" altLang="en-US" smtClean="0"/>
-              <a:t>2019/8/3</a:t>
+              <a:t>2021/5/8</a:t>
             </a:fld>
             <a:endParaRPr lang="zh-TW" altLang="en-US"/>
           </a:p>
@@ -2214,7 +2237,7 @@
           <a:p>
             <a:fld id="{A2B5D7EE-74BC-4BDC-AE2A-3936D1310525}" type="datetimeFigureOut">
               <a:rPr lang="zh-TW" altLang="en-US" smtClean="0"/>
-              <a:t>2019/8/3</a:t>
+              <a:t>2021/5/8</a:t>
             </a:fld>
             <a:endParaRPr lang="zh-TW" altLang="en-US"/>
           </a:p>
@@ -2466,7 +2489,7 @@
           <a:p>
             <a:fld id="{A2B5D7EE-74BC-4BDC-AE2A-3936D1310525}" type="datetimeFigureOut">
               <a:rPr lang="zh-TW" altLang="en-US" smtClean="0"/>
-              <a:t>2019/8/3</a:t>
+              <a:t>2021/5/8</a:t>
             </a:fld>
             <a:endParaRPr lang="zh-TW" altLang="en-US"/>
           </a:p>
@@ -2679,7 +2702,7 @@
           <a:p>
             <a:fld id="{A2B5D7EE-74BC-4BDC-AE2A-3936D1310525}" type="datetimeFigureOut">
               <a:rPr lang="zh-TW" altLang="en-US" smtClean="0"/>
-              <a:t>2019/8/3</a:t>
+              <a:t>2021/5/8</a:t>
             </a:fld>
             <a:endParaRPr lang="zh-TW" altLang="en-US"/>
           </a:p>
@@ -3051,7 +3074,7 @@
       </p:grpSpPr>
       <p:sp>
         <p:nvSpPr>
-          <p:cNvPr id="2" name="標題 1"/>
+          <p:cNvPr id="4" name="標題 3"/>
           <p:cNvSpPr>
             <a:spLocks noGrp="1"/>
           </p:cNvSpPr>
@@ -3059,69 +3082,197 @@
             <p:ph type="title"/>
           </p:nvPr>
         </p:nvSpPr>
-        <p:spPr/>
+        <p:spPr>
+          <a:xfrm>
+            <a:off x="0" y="1995686"/>
+            <a:ext cx="9144000" cy="857250"/>
+          </a:xfrm>
+        </p:spPr>
         <p:txBody>
           <a:bodyPr>
+            <a:noAutofit/>
+          </a:bodyPr>
+          <a:lstStyle/>
+          <a:p>
+            <a:r>
+              <a:rPr lang="zh-CN" altLang="en-US" sz="4000" b="1" u="sng" dirty="0" smtClean="0">
+                <a:solidFill>
+                  <a:srgbClr val="660033"/>
+                </a:solidFill>
+                <a:effectLst>
+                  <a:outerShdw blurRad="38100" dist="38100" dir="2700000" algn="tl">
+                    <a:srgbClr val="000000">
+                      <a:alpha val="43137"/>
+                    </a:srgbClr>
+                  </a:outerShdw>
+                </a:effectLst>
+                <a:latin typeface="微軟正黑體" pitchFamily="34" charset="-120"/>
+                <a:ea typeface="微軟正黑體" pitchFamily="34" charset="-120"/>
+              </a:rPr>
+              <a:t>宣道詩 </a:t>
+            </a:r>
+            <a:r>
+              <a:rPr lang="en-US" altLang="zh-CN" sz="4000" b="1" u="sng" dirty="0" smtClean="0">
+                <a:solidFill>
+                  <a:srgbClr val="660033"/>
+                </a:solidFill>
+                <a:effectLst>
+                  <a:outerShdw blurRad="38100" dist="38100" dir="2700000" algn="tl">
+                    <a:srgbClr val="000000">
+                      <a:alpha val="43137"/>
+                    </a:srgbClr>
+                  </a:outerShdw>
+                </a:effectLst>
+                <a:latin typeface="微軟正黑體" pitchFamily="34" charset="-120"/>
+                <a:ea typeface="微軟正黑體" pitchFamily="34" charset="-120"/>
+              </a:rPr>
+              <a:t>113</a:t>
+            </a:r>
+            <a:r>
+              <a:rPr lang="en-US" altLang="zh-CN" sz="5400" b="1" i="1" dirty="0" smtClean="0">
+                <a:solidFill>
+                  <a:srgbClr val="660033"/>
+                </a:solidFill>
+                <a:effectLst>
+                  <a:outerShdw blurRad="38100" dist="38100" dir="2700000" algn="tl">
+                    <a:srgbClr val="000000">
+                      <a:alpha val="43137"/>
+                    </a:srgbClr>
+                  </a:outerShdw>
+                </a:effectLst>
+                <a:latin typeface="微軟正黑體" pitchFamily="34" charset="-120"/>
+                <a:ea typeface="微軟正黑體" pitchFamily="34" charset="-120"/>
+              </a:rPr>
+              <a:t/>
+            </a:r>
+            <a:br>
+              <a:rPr lang="en-US" altLang="zh-CN" sz="5400" b="1" i="1" dirty="0" smtClean="0">
+                <a:solidFill>
+                  <a:srgbClr val="660033"/>
+                </a:solidFill>
+                <a:effectLst>
+                  <a:outerShdw blurRad="38100" dist="38100" dir="2700000" algn="tl">
+                    <a:srgbClr val="000000">
+                      <a:alpha val="43137"/>
+                    </a:srgbClr>
+                  </a:outerShdw>
+                </a:effectLst>
+                <a:latin typeface="微軟正黑體" pitchFamily="34" charset="-120"/>
+                <a:ea typeface="微軟正黑體" pitchFamily="34" charset="-120"/>
+              </a:rPr>
+            </a:br>
+            <a:r>
+              <a:rPr lang="zh-TW" altLang="en-US" sz="6000" b="1" dirty="0" smtClean="0">
+                <a:solidFill>
+                  <a:srgbClr val="000066"/>
+                </a:solidFill>
+                <a:effectLst>
+                  <a:outerShdw blurRad="38100" dist="38100" dir="2700000" algn="tl">
+                    <a:srgbClr val="000000">
+                      <a:alpha val="43137"/>
+                    </a:srgbClr>
+                  </a:outerShdw>
+                </a:effectLst>
+                <a:latin typeface="微軟正黑體" pitchFamily="34" charset="-120"/>
+                <a:ea typeface="微軟正黑體" pitchFamily="34" charset="-120"/>
+              </a:rPr>
+              <a:t>在</a:t>
+            </a:r>
+            <a:r>
+              <a:rPr lang="zh-TW" altLang="en-US" sz="6000" b="1" dirty="0">
+                <a:solidFill>
+                  <a:srgbClr val="000066"/>
+                </a:solidFill>
+                <a:effectLst>
+                  <a:outerShdw blurRad="38100" dist="38100" dir="2700000" algn="tl">
+                    <a:srgbClr val="000000">
+                      <a:alpha val="43137"/>
+                    </a:srgbClr>
+                  </a:outerShdw>
+                </a:effectLst>
+                <a:latin typeface="微軟正黑體" pitchFamily="34" charset="-120"/>
+                <a:ea typeface="微軟正黑體" pitchFamily="34" charset="-120"/>
+              </a:rPr>
+              <a:t>我心裡常吟讚美歌</a:t>
+            </a:r>
+          </a:p>
+        </p:txBody>
+      </p:sp>
+    </p:spTree>
+    <p:extLst>
+      <p:ext uri="{BB962C8B-B14F-4D97-AF65-F5344CB8AC3E}">
+        <p14:creationId xmlns:p14="http://schemas.microsoft.com/office/powerpoint/2010/main" val="4027587856"/>
+      </p:ext>
+    </p:extLst>
+  </p:cSld>
+  <p:clrMapOvr>
+    <a:masterClrMapping/>
+  </p:clrMapOvr>
+  <p:timing>
+    <p:tnLst>
+      <p:par>
+        <p:cTn id="1" dur="indefinite" restart="never" nodeType="tmRoot"/>
+      </p:par>
+    </p:tnLst>
+  </p:timing>
+</p:sld>
+</file>
+
+<file path=ppt/slides/slide10.xml><?xml version="1.0" encoding="utf-8"?>
+<p:sld xmlns:a="http://schemas.openxmlformats.org/drawingml/2006/main" xmlns:r="http://schemas.openxmlformats.org/officeDocument/2006/relationships" xmlns:p="http://schemas.openxmlformats.org/presentationml/2006/main">
+  <p:cSld>
+    <p:spTree>
+      <p:nvGrpSpPr>
+        <p:cNvPr id="1" name=""/>
+        <p:cNvGrpSpPr/>
+        <p:nvPr/>
+      </p:nvGrpSpPr>
+      <p:grpSpPr>
+        <a:xfrm>
+          <a:off x="0" y="0"/>
+          <a:ext cx="0" cy="0"/>
+          <a:chOff x="0" y="0"/>
+          <a:chExt cx="0" cy="0"/>
+        </a:xfrm>
+      </p:grpSpPr>
+      <p:sp>
+        <p:nvSpPr>
+          <p:cNvPr id="5" name="內容版面配置區 4"/>
+          <p:cNvSpPr>
+            <a:spLocks noGrp="1"/>
+          </p:cNvSpPr>
+          <p:nvPr>
+            <p:ph idx="1"/>
+          </p:nvPr>
+        </p:nvSpPr>
+        <p:spPr>
+          <a:xfrm>
+            <a:off x="0" y="1563638"/>
+            <a:ext cx="9144000" cy="1803647"/>
+          </a:xfrm>
+        </p:spPr>
+        <p:txBody>
+          <a:bodyPr anchor="ctr">
             <a:normAutofit/>
           </a:bodyPr>
           <a:lstStyle/>
           <a:p>
-            <a:r>
-              <a:rPr lang="zh-TW" altLang="en-US" sz="4000" b="1" dirty="0">
-                <a:solidFill>
-                  <a:srgbClr val="0070C0"/>
+            <a:pPr algn="ctr">
+              <a:buNone/>
+            </a:pPr>
+            <a:r>
+              <a:rPr lang="zh-TW" altLang="en-US" sz="4800" b="1" dirty="0">
+                <a:solidFill>
+                  <a:srgbClr val="000066"/>
                 </a:solidFill>
                 <a:latin typeface="Microsoft JhengHei" pitchFamily="34" charset="-120"/>
                 <a:ea typeface="Microsoft JhengHei" pitchFamily="34" charset="-120"/>
               </a:rPr>
-              <a:t>在我心裡常吟讚美歌</a:t>
-            </a:r>
-          </a:p>
-        </p:txBody>
-      </p:sp>
-      <p:sp>
-        <p:nvSpPr>
-          <p:cNvPr id="3" name="內容版面配置區 2"/>
-          <p:cNvSpPr>
-            <a:spLocks noGrp="1"/>
-          </p:cNvSpPr>
-          <p:nvPr>
-            <p:ph idx="1"/>
-          </p:nvPr>
-        </p:nvSpPr>
-        <p:spPr/>
-        <p:txBody>
-          <a:bodyPr anchor="ctr">
-            <a:noAutofit/>
-          </a:bodyPr>
-          <a:lstStyle/>
-          <a:p>
-            <a:pPr algn="ctr">
-              <a:buNone/>
-            </a:pPr>
-            <a:r>
-              <a:rPr lang="zh-TW" altLang="en-US" sz="4800" b="1" dirty="0">
-                <a:solidFill>
-                  <a:srgbClr val="0070C0"/>
-                </a:solidFill>
-                <a:latin typeface="Microsoft JhengHei" pitchFamily="34" charset="-120"/>
-                <a:ea typeface="Microsoft JhengHei" pitchFamily="34" charset="-120"/>
-              </a:rPr>
-              <a:t>主耶穌賜我一首</a:t>
-            </a:r>
-            <a:r>
-              <a:rPr lang="zh-TW" altLang="en-US" sz="4800" b="1" dirty="0">
-                <a:solidFill>
-                  <a:srgbClr val="0070C0"/>
-                </a:solidFill>
-                <a:latin typeface="Microsoft JhengHei" pitchFamily="34" charset="-120"/>
-                <a:ea typeface="Microsoft JhengHei" pitchFamily="34" charset="-120"/>
-              </a:rPr>
-              <a:t>詩歌</a:t>
+              <a:t>耶穌再來掌王權時候</a:t>
             </a:r>
             <a:endParaRPr lang="en-US" altLang="zh-TW" sz="4800" b="1" dirty="0">
               <a:solidFill>
-                <a:srgbClr val="0070C0"/>
+                <a:srgbClr val="000066"/>
               </a:solidFill>
               <a:latin typeface="Microsoft JhengHei" pitchFamily="34" charset="-120"/>
               <a:ea typeface="Microsoft JhengHei" pitchFamily="34" charset="-120"/>
@@ -3134,41 +3285,120 @@
             <a:r>
               <a:rPr lang="zh-TW" altLang="en-US" sz="4800" b="1" dirty="0">
                 <a:solidFill>
-                  <a:srgbClr val="0070C0"/>
+                  <a:srgbClr val="000066"/>
                 </a:solidFill>
                 <a:latin typeface="Microsoft JhengHei" pitchFamily="34" charset="-120"/>
                 <a:ea typeface="Microsoft JhengHei" pitchFamily="34" charset="-120"/>
               </a:rPr>
-              <a:t>這</a:t>
-            </a:r>
-            <a:r>
-              <a:rPr lang="zh-TW" altLang="en-US" sz="4800" b="1" dirty="0">
-                <a:solidFill>
-                  <a:srgbClr val="0070C0"/>
-                </a:solidFill>
-                <a:latin typeface="Microsoft JhengHei" pitchFamily="34" charset="-120"/>
-                <a:ea typeface="Microsoft JhengHei" pitchFamily="34" charset="-120"/>
-              </a:rPr>
-              <a:t>詩由天賜給</a:t>
-            </a:r>
-            <a:r>
-              <a:rPr lang="zh-TW" altLang="en-US" sz="4800" b="1" dirty="0">
-                <a:solidFill>
-                  <a:srgbClr val="0070C0"/>
-                </a:solidFill>
-                <a:latin typeface="Microsoft JhengHei" pitchFamily="34" charset="-120"/>
-                <a:ea typeface="Microsoft JhengHei" pitchFamily="34" charset="-120"/>
-              </a:rPr>
-              <a:t>我</a:t>
+              <a:t>我與天使同唱和</a:t>
             </a:r>
             <a:endParaRPr lang="en-US" altLang="zh-TW" sz="4800" b="1" dirty="0">
               <a:solidFill>
-                <a:srgbClr val="0070C0"/>
+                <a:srgbClr val="000066"/>
               </a:solidFill>
               <a:latin typeface="Microsoft JhengHei" pitchFamily="34" charset="-120"/>
               <a:ea typeface="Microsoft JhengHei" pitchFamily="34" charset="-120"/>
             </a:endParaRPr>
           </a:p>
+        </p:txBody>
+      </p:sp>
+      <p:sp>
+        <p:nvSpPr>
+          <p:cNvPr id="3" name="TextBox 2"/>
+          <p:cNvSpPr txBox="1"/>
+          <p:nvPr/>
+        </p:nvSpPr>
+        <p:spPr>
+          <a:xfrm>
+            <a:off x="0" y="3795886"/>
+            <a:ext cx="9144000" cy="646331"/>
+          </a:xfrm>
+          <a:prstGeom prst="rect">
+            <a:avLst/>
+          </a:prstGeom>
+          <a:noFill/>
+        </p:spPr>
+        <p:txBody>
+          <a:bodyPr wrap="square" rtlCol="0">
+            <a:spAutoFit/>
+          </a:bodyPr>
+          <a:lstStyle/>
+          <a:p>
+            <a:pPr algn="ctr"/>
+            <a:r>
+              <a:rPr lang="en-US" sz="3600" b="1" dirty="0" smtClean="0">
+                <a:solidFill>
+                  <a:srgbClr val="000066"/>
+                </a:solidFill>
+              </a:rPr>
+              <a:t>( 3 )</a:t>
+            </a:r>
+            <a:endParaRPr lang="vi-VN" sz="3600" b="1" dirty="0">
+              <a:solidFill>
+                <a:srgbClr val="000066"/>
+              </a:solidFill>
+            </a:endParaRPr>
+          </a:p>
+        </p:txBody>
+      </p:sp>
+    </p:spTree>
+    <p:extLst>
+      <p:ext uri="{BB962C8B-B14F-4D97-AF65-F5344CB8AC3E}">
+        <p14:creationId xmlns:p14="http://schemas.microsoft.com/office/powerpoint/2010/main" val="2110360582"/>
+      </p:ext>
+    </p:extLst>
+  </p:cSld>
+  <p:clrMapOvr>
+    <a:masterClrMapping/>
+  </p:clrMapOvr>
+  <p:timing>
+    <p:tnLst>
+      <p:par>
+        <p:cTn id="1" dur="indefinite" restart="never" nodeType="tmRoot"/>
+      </p:par>
+    </p:tnLst>
+  </p:timing>
+</p:sld>
+</file>
+
+<file path=ppt/slides/slide11.xml><?xml version="1.0" encoding="utf-8"?>
+<p:sld xmlns:a="http://schemas.openxmlformats.org/drawingml/2006/main" xmlns:r="http://schemas.openxmlformats.org/officeDocument/2006/relationships" xmlns:p="http://schemas.openxmlformats.org/presentationml/2006/main">
+  <p:cSld>
+    <p:spTree>
+      <p:nvGrpSpPr>
+        <p:cNvPr id="1" name=""/>
+        <p:cNvGrpSpPr/>
+        <p:nvPr/>
+      </p:nvGrpSpPr>
+      <p:grpSpPr>
+        <a:xfrm>
+          <a:off x="0" y="0"/>
+          <a:ext cx="0" cy="0"/>
+          <a:chOff x="0" y="0"/>
+          <a:chExt cx="0" cy="0"/>
+        </a:xfrm>
+      </p:grpSpPr>
+      <p:sp>
+        <p:nvSpPr>
+          <p:cNvPr id="5" name="內容版面配置區 4"/>
+          <p:cNvSpPr>
+            <a:spLocks noGrp="1"/>
+          </p:cNvSpPr>
+          <p:nvPr>
+            <p:ph idx="1"/>
+          </p:nvPr>
+        </p:nvSpPr>
+        <p:spPr>
+          <a:xfrm>
+            <a:off x="0" y="1563638"/>
+            <a:ext cx="9144000" cy="1803647"/>
+          </a:xfrm>
+        </p:spPr>
+        <p:txBody>
+          <a:bodyPr anchor="ctr">
+            <a:normAutofit/>
+          </a:bodyPr>
+          <a:lstStyle/>
           <a:p>
             <a:pPr algn="ctr">
               <a:buNone/>
@@ -3176,36 +3406,16 @@
             <a:r>
               <a:rPr lang="zh-TW" altLang="en-US" sz="4800" b="1" dirty="0">
                 <a:solidFill>
-                  <a:srgbClr val="0070C0"/>
+                  <a:srgbClr val="000066"/>
                 </a:solidFill>
                 <a:latin typeface="Microsoft JhengHei" pitchFamily="34" charset="-120"/>
                 <a:ea typeface="Microsoft JhengHei" pitchFamily="34" charset="-120"/>
               </a:rPr>
-              <a:t> </a:t>
-            </a:r>
-            <a:r>
-              <a:rPr lang="zh-TW" altLang="en-US" sz="4800" b="1" dirty="0">
-                <a:solidFill>
-                  <a:srgbClr val="0070C0"/>
-                </a:solidFill>
-                <a:latin typeface="Microsoft JhengHei" pitchFamily="34" charset="-120"/>
-                <a:ea typeface="Microsoft JhengHei" pitchFamily="34" charset="-120"/>
-              </a:rPr>
-              <a:t>從未有此美妙絕倫</a:t>
-            </a:r>
-            <a:r>
-              <a:rPr lang="zh-TW" altLang="en-US" sz="4800" b="1" dirty="0">
-                <a:solidFill>
-                  <a:srgbClr val="0070C0"/>
-                </a:solidFill>
-                <a:latin typeface="Microsoft JhengHei" pitchFamily="34" charset="-120"/>
-                <a:ea typeface="Microsoft JhengHei" pitchFamily="34" charset="-120"/>
-              </a:rPr>
-              <a:t>音樂</a:t>
+              <a:t>這時確有美妙音樂伴奏</a:t>
             </a:r>
             <a:endParaRPr lang="en-US" altLang="zh-TW" sz="4800" b="1" dirty="0">
               <a:solidFill>
-                <a:srgbClr val="0070C0"/>
+                <a:srgbClr val="000066"/>
               </a:solidFill>
               <a:latin typeface="Microsoft JhengHei" pitchFamily="34" charset="-120"/>
               <a:ea typeface="Microsoft JhengHei" pitchFamily="34" charset="-120"/>
@@ -3218,36 +3428,16 @@
             <a:r>
               <a:rPr lang="zh-TW" altLang="en-US" sz="4800" b="1" dirty="0">
                 <a:solidFill>
-                  <a:srgbClr val="0070C0"/>
+                  <a:srgbClr val="000066"/>
                 </a:solidFill>
                 <a:latin typeface="Microsoft JhengHei" pitchFamily="34" charset="-120"/>
                 <a:ea typeface="Microsoft JhengHei" pitchFamily="34" charset="-120"/>
               </a:rPr>
-              <a:t>真是</a:t>
-            </a:r>
-            <a:r>
-              <a:rPr lang="zh-TW" altLang="en-US" sz="4800" b="1" dirty="0">
-                <a:solidFill>
-                  <a:srgbClr val="0070C0"/>
-                </a:solidFill>
-                <a:latin typeface="Microsoft JhengHei" pitchFamily="34" charset="-120"/>
-                <a:ea typeface="Microsoft JhengHei" pitchFamily="34" charset="-120"/>
-              </a:rPr>
-              <a:t>奇妙恩愛</a:t>
-            </a:r>
-            <a:r>
-              <a:rPr lang="zh-TW" altLang="en-US" sz="4800" b="1" dirty="0">
-                <a:solidFill>
-                  <a:srgbClr val="0070C0"/>
-                </a:solidFill>
-                <a:latin typeface="Microsoft JhengHei" pitchFamily="34" charset="-120"/>
-                <a:ea typeface="Microsoft JhengHei" pitchFamily="34" charset="-120"/>
-              </a:rPr>
-              <a:t>歌</a:t>
+              <a:t>同在寶座前唱歌</a:t>
             </a:r>
             <a:endParaRPr lang="zh-TW" altLang="en-US" sz="4800" b="1" dirty="0">
               <a:solidFill>
-                <a:srgbClr val="0070C0"/>
+                <a:srgbClr val="000066"/>
               </a:solidFill>
               <a:latin typeface="Microsoft JhengHei" pitchFamily="34" charset="-120"/>
               <a:ea typeface="Microsoft JhengHei" pitchFamily="34" charset="-120"/>
@@ -3255,11 +3445,290 @@
           </a:p>
         </p:txBody>
       </p:sp>
+      <p:sp>
+        <p:nvSpPr>
+          <p:cNvPr id="3" name="TextBox 2"/>
+          <p:cNvSpPr txBox="1"/>
+          <p:nvPr/>
+        </p:nvSpPr>
+        <p:spPr>
+          <a:xfrm>
+            <a:off x="0" y="3795886"/>
+            <a:ext cx="9144000" cy="646331"/>
+          </a:xfrm>
+          <a:prstGeom prst="rect">
+            <a:avLst/>
+          </a:prstGeom>
+          <a:noFill/>
+        </p:spPr>
+        <p:txBody>
+          <a:bodyPr wrap="square" rtlCol="0">
+            <a:spAutoFit/>
+          </a:bodyPr>
+          <a:lstStyle/>
+          <a:p>
+            <a:pPr algn="ctr"/>
+            <a:r>
+              <a:rPr lang="en-US" sz="3600" b="1" dirty="0" smtClean="0">
+                <a:solidFill>
+                  <a:srgbClr val="000066"/>
+                </a:solidFill>
+              </a:rPr>
+              <a:t>( 3 )</a:t>
+            </a:r>
+            <a:endParaRPr lang="vi-VN" sz="3600" b="1" dirty="0">
+              <a:solidFill>
+                <a:srgbClr val="000066"/>
+              </a:solidFill>
+            </a:endParaRPr>
+          </a:p>
+        </p:txBody>
+      </p:sp>
     </p:spTree>
+    <p:extLst>
+      <p:ext uri="{BB962C8B-B14F-4D97-AF65-F5344CB8AC3E}">
+        <p14:creationId xmlns:p14="http://schemas.microsoft.com/office/powerpoint/2010/main" val="977753113"/>
+      </p:ext>
+    </p:extLst>
   </p:cSld>
   <p:clrMapOvr>
     <a:masterClrMapping/>
   </p:clrMapOvr>
+  <p:timing>
+    <p:tnLst>
+      <p:par>
+        <p:cTn id="1" dur="indefinite" restart="never" nodeType="tmRoot"/>
+      </p:par>
+    </p:tnLst>
+  </p:timing>
+</p:sld>
+</file>
+
+<file path=ppt/slides/slide12.xml><?xml version="1.0" encoding="utf-8"?>
+<p:sld xmlns:a="http://schemas.openxmlformats.org/drawingml/2006/main" xmlns:r="http://schemas.openxmlformats.org/officeDocument/2006/relationships" xmlns:p="http://schemas.openxmlformats.org/presentationml/2006/main">
+  <p:cSld>
+    <p:spTree>
+      <p:nvGrpSpPr>
+        <p:cNvPr id="1" name=""/>
+        <p:cNvGrpSpPr/>
+        <p:nvPr/>
+      </p:nvGrpSpPr>
+      <p:grpSpPr>
+        <a:xfrm>
+          <a:off x="0" y="0"/>
+          <a:ext cx="0" cy="0"/>
+          <a:chOff x="0" y="0"/>
+          <a:chExt cx="0" cy="0"/>
+        </a:xfrm>
+      </p:grpSpPr>
+      <p:sp>
+        <p:nvSpPr>
+          <p:cNvPr id="5" name="內容版面配置區 4"/>
+          <p:cNvSpPr>
+            <a:spLocks noGrp="1"/>
+          </p:cNvSpPr>
+          <p:nvPr>
+            <p:ph idx="1"/>
+          </p:nvPr>
+        </p:nvSpPr>
+        <p:spPr>
+          <a:xfrm>
+            <a:off x="0" y="1563638"/>
+            <a:ext cx="9144000" cy="1803647"/>
+          </a:xfrm>
+        </p:spPr>
+        <p:txBody>
+          <a:bodyPr anchor="ctr">
+            <a:normAutofit/>
+          </a:bodyPr>
+          <a:lstStyle/>
+          <a:p>
+            <a:pPr algn="ctr">
+              <a:buNone/>
+            </a:pPr>
+            <a:r>
+              <a:rPr lang="zh-TW" altLang="en-US" sz="4800" b="1" dirty="0">
+                <a:solidFill>
+                  <a:srgbClr val="000066"/>
+                </a:solidFill>
+                <a:latin typeface="Microsoft JhengHei" pitchFamily="34" charset="-120"/>
+                <a:ea typeface="Microsoft JhengHei" pitchFamily="34" charset="-120"/>
+              </a:rPr>
+              <a:t>在我心裡常吟讚美</a:t>
+            </a:r>
+            <a:endParaRPr lang="en-US" altLang="zh-TW" sz="4800" b="1" dirty="0">
+              <a:solidFill>
+                <a:srgbClr val="000066"/>
+              </a:solidFill>
+              <a:latin typeface="Microsoft JhengHei" pitchFamily="34" charset="-120"/>
+              <a:ea typeface="Microsoft JhengHei" pitchFamily="34" charset="-120"/>
+            </a:endParaRPr>
+          </a:p>
+          <a:p>
+            <a:pPr algn="ctr">
+              <a:buNone/>
+            </a:pPr>
+            <a:r>
+              <a:rPr lang="zh-TW" altLang="en-US" sz="4800" b="1" dirty="0">
+                <a:solidFill>
+                  <a:srgbClr val="000066"/>
+                </a:solidFill>
+                <a:latin typeface="Microsoft JhengHei" pitchFamily="34" charset="-120"/>
+                <a:ea typeface="Microsoft JhengHei" pitchFamily="34" charset="-120"/>
+              </a:rPr>
+              <a:t>歌時常吟奇妙</a:t>
+            </a:r>
+            <a:r>
+              <a:rPr lang="zh-TW" altLang="en-US" sz="4800" b="1" dirty="0" smtClean="0">
+                <a:solidFill>
+                  <a:srgbClr val="000066"/>
+                </a:solidFill>
+                <a:latin typeface="Microsoft JhengHei" pitchFamily="34" charset="-120"/>
+                <a:ea typeface="Microsoft JhengHei" pitchFamily="34" charset="-120"/>
+              </a:rPr>
+              <a:t>歌  像</a:t>
+            </a:r>
+            <a:r>
+              <a:rPr lang="zh-TW" altLang="en-US" sz="4800" b="1" dirty="0">
+                <a:solidFill>
+                  <a:srgbClr val="000066"/>
+                </a:solidFill>
+                <a:latin typeface="Microsoft JhengHei" pitchFamily="34" charset="-120"/>
+                <a:ea typeface="Microsoft JhengHei" pitchFamily="34" charset="-120"/>
+              </a:rPr>
+              <a:t>天使同唱和</a:t>
+            </a:r>
+            <a:endParaRPr lang="zh-TW" altLang="en-US" sz="4800" b="1" dirty="0">
+              <a:solidFill>
+                <a:srgbClr val="000066"/>
+              </a:solidFill>
+              <a:latin typeface="Microsoft JhengHei" pitchFamily="34" charset="-120"/>
+              <a:ea typeface="Microsoft JhengHei" pitchFamily="34" charset="-120"/>
+            </a:endParaRPr>
+          </a:p>
+        </p:txBody>
+      </p:sp>
+    </p:spTree>
+    <p:extLst>
+      <p:ext uri="{BB962C8B-B14F-4D97-AF65-F5344CB8AC3E}">
+        <p14:creationId xmlns:p14="http://schemas.microsoft.com/office/powerpoint/2010/main" val="439412450"/>
+      </p:ext>
+    </p:extLst>
+  </p:cSld>
+  <p:clrMapOvr>
+    <a:masterClrMapping/>
+  </p:clrMapOvr>
+  <p:timing>
+    <p:tnLst>
+      <p:par>
+        <p:cTn id="1" dur="indefinite" restart="never" nodeType="tmRoot"/>
+      </p:par>
+    </p:tnLst>
+  </p:timing>
+</p:sld>
+</file>
+
+<file path=ppt/slides/slide13.xml><?xml version="1.0" encoding="utf-8"?>
+<p:sld xmlns:a="http://schemas.openxmlformats.org/drawingml/2006/main" xmlns:r="http://schemas.openxmlformats.org/officeDocument/2006/relationships" xmlns:p="http://schemas.openxmlformats.org/presentationml/2006/main">
+  <p:cSld>
+    <p:spTree>
+      <p:nvGrpSpPr>
+        <p:cNvPr id="1" name=""/>
+        <p:cNvGrpSpPr/>
+        <p:nvPr/>
+      </p:nvGrpSpPr>
+      <p:grpSpPr>
+        <a:xfrm>
+          <a:off x="0" y="0"/>
+          <a:ext cx="0" cy="0"/>
+          <a:chOff x="0" y="0"/>
+          <a:chExt cx="0" cy="0"/>
+        </a:xfrm>
+      </p:grpSpPr>
+      <p:sp>
+        <p:nvSpPr>
+          <p:cNvPr id="5" name="內容版面配置區 4"/>
+          <p:cNvSpPr>
+            <a:spLocks noGrp="1"/>
+          </p:cNvSpPr>
+          <p:nvPr>
+            <p:ph idx="1"/>
+          </p:nvPr>
+        </p:nvSpPr>
+        <p:spPr>
+          <a:xfrm>
+            <a:off x="0" y="1563638"/>
+            <a:ext cx="9144000" cy="1803647"/>
+          </a:xfrm>
+        </p:spPr>
+        <p:txBody>
+          <a:bodyPr anchor="ctr">
+            <a:normAutofit/>
+          </a:bodyPr>
+          <a:lstStyle/>
+          <a:p>
+            <a:pPr algn="ctr">
+              <a:buNone/>
+            </a:pPr>
+            <a:r>
+              <a:rPr lang="zh-TW" altLang="en-US" sz="4800" b="1" dirty="0">
+                <a:solidFill>
+                  <a:srgbClr val="000066"/>
+                </a:solidFill>
+                <a:latin typeface="Microsoft JhengHei" pitchFamily="34" charset="-120"/>
+                <a:ea typeface="Microsoft JhengHei" pitchFamily="34" charset="-120"/>
+              </a:rPr>
+              <a:t>在我心裡常吟讚美</a:t>
+            </a:r>
+            <a:endParaRPr lang="en-US" altLang="zh-TW" sz="4800" b="1" dirty="0">
+              <a:solidFill>
+                <a:srgbClr val="000066"/>
+              </a:solidFill>
+              <a:latin typeface="Microsoft JhengHei" pitchFamily="34" charset="-120"/>
+              <a:ea typeface="Microsoft JhengHei" pitchFamily="34" charset="-120"/>
+            </a:endParaRPr>
+          </a:p>
+          <a:p>
+            <a:pPr algn="ctr">
+              <a:buNone/>
+            </a:pPr>
+            <a:r>
+              <a:rPr lang="zh-TW" altLang="en-US" sz="4800" b="1" dirty="0">
+                <a:solidFill>
+                  <a:srgbClr val="000066"/>
+                </a:solidFill>
+                <a:latin typeface="Microsoft JhengHei" pitchFamily="34" charset="-120"/>
+                <a:ea typeface="Microsoft JhengHei" pitchFamily="34" charset="-120"/>
+              </a:rPr>
+              <a:t>歌時常吟奇妙恩愛歌</a:t>
+            </a:r>
+            <a:endParaRPr lang="zh-TW" altLang="en-US" sz="4800" b="1" dirty="0">
+              <a:solidFill>
+                <a:srgbClr val="000066"/>
+              </a:solidFill>
+              <a:latin typeface="Microsoft JhengHei" pitchFamily="34" charset="-120"/>
+              <a:ea typeface="Microsoft JhengHei" pitchFamily="34" charset="-120"/>
+            </a:endParaRPr>
+          </a:p>
+        </p:txBody>
+      </p:sp>
+    </p:spTree>
+    <p:extLst>
+      <p:ext uri="{BB962C8B-B14F-4D97-AF65-F5344CB8AC3E}">
+        <p14:creationId xmlns:p14="http://schemas.microsoft.com/office/powerpoint/2010/main" val="1086751239"/>
+      </p:ext>
+    </p:extLst>
+  </p:cSld>
+  <p:clrMapOvr>
+    <a:masterClrMapping/>
+  </p:clrMapOvr>
+  <p:timing>
+    <p:tnLst>
+      <p:par>
+        <p:cTn id="1" dur="indefinite" restart="never" nodeType="tmRoot"/>
+      </p:par>
+    </p:tnLst>
+  </p:timing>
 </p:sld>
 </file>
 
@@ -3282,82 +3751,42 @@
       </p:grpSpPr>
       <p:sp>
         <p:nvSpPr>
-          <p:cNvPr id="2" name="標題 1"/>
-          <p:cNvSpPr>
-            <a:spLocks noGrp="1"/>
-          </p:cNvSpPr>
-          <p:nvPr>
-            <p:ph type="title"/>
-          </p:nvPr>
-        </p:nvSpPr>
-        <p:spPr/>
-        <p:txBody>
-          <a:bodyPr>
+          <p:cNvPr id="5" name="內容版面配置區 4"/>
+          <p:cNvSpPr>
+            <a:spLocks noGrp="1"/>
+          </p:cNvSpPr>
+          <p:nvPr>
+            <p:ph idx="1"/>
+          </p:nvPr>
+        </p:nvSpPr>
+        <p:spPr>
+          <a:xfrm>
+            <a:off x="0" y="1563638"/>
+            <a:ext cx="9144000" cy="1803647"/>
+          </a:xfrm>
+        </p:spPr>
+        <p:txBody>
+          <a:bodyPr anchor="ctr">
             <a:normAutofit/>
           </a:bodyPr>
           <a:lstStyle/>
           <a:p>
-            <a:r>
-              <a:rPr lang="zh-TW" altLang="en-US" sz="4000" b="1" dirty="0">
-                <a:solidFill>
-                  <a:srgbClr val="0070C0"/>
+            <a:pPr algn="ctr">
+              <a:buNone/>
+            </a:pPr>
+            <a:r>
+              <a:rPr lang="zh-TW" altLang="en-US" sz="4800" b="1" dirty="0">
+                <a:solidFill>
+                  <a:srgbClr val="000066"/>
                 </a:solidFill>
                 <a:latin typeface="Microsoft JhengHei" pitchFamily="34" charset="-120"/>
                 <a:ea typeface="Microsoft JhengHei" pitchFamily="34" charset="-120"/>
               </a:rPr>
-              <a:t>在我心裡常吟讚美歌</a:t>
-            </a:r>
-          </a:p>
-        </p:txBody>
-      </p:sp>
-      <p:sp>
-        <p:nvSpPr>
-          <p:cNvPr id="3" name="內容版面配置區 2"/>
-          <p:cNvSpPr>
-            <a:spLocks noGrp="1"/>
-          </p:cNvSpPr>
-          <p:nvPr>
-            <p:ph idx="1"/>
-          </p:nvPr>
-        </p:nvSpPr>
-        <p:spPr>
-          <a:xfrm>
-            <a:off x="0" y="1200150"/>
-            <a:ext cx="9144000" cy="3675476"/>
-          </a:xfrm>
-        </p:spPr>
-        <p:txBody>
-          <a:bodyPr anchor="ctr">
-            <a:noAutofit/>
-          </a:bodyPr>
-          <a:lstStyle/>
-          <a:p>
-            <a:pPr algn="ctr">
-              <a:buNone/>
-            </a:pPr>
-            <a:r>
-              <a:rPr lang="zh-TW" altLang="en-US" sz="4800" b="1" dirty="0">
-                <a:solidFill>
-                  <a:srgbClr val="0070C0"/>
-                </a:solidFill>
-                <a:latin typeface="Microsoft JhengHei" pitchFamily="34" charset="-120"/>
-                <a:ea typeface="Microsoft JhengHei" pitchFamily="34" charset="-120"/>
-              </a:rPr>
-              <a:t>在我心裡常吟</a:t>
-            </a:r>
-            <a:r>
-              <a:rPr lang="zh-TW" altLang="en-US" sz="4800" b="1" dirty="0" smtClean="0">
-                <a:solidFill>
-                  <a:srgbClr val="0070C0"/>
-                </a:solidFill>
-                <a:latin typeface="Microsoft JhengHei" pitchFamily="34" charset="-120"/>
-                <a:ea typeface="Microsoft JhengHei" pitchFamily="34" charset="-120"/>
-              </a:rPr>
-              <a:t>讚美</a:t>
-            </a:r>
-            <a:endParaRPr lang="en-US" altLang="zh-TW" sz="4800" b="1" dirty="0" smtClean="0">
+              <a:t>主耶穌賜我一首詩歌</a:t>
+            </a:r>
+            <a:endParaRPr lang="en-US" altLang="zh-TW" sz="4800" b="1" dirty="0">
               <a:solidFill>
-                <a:srgbClr val="0070C0"/>
+                <a:srgbClr val="000066"/>
               </a:solidFill>
               <a:latin typeface="Microsoft JhengHei" pitchFamily="34" charset="-120"/>
               <a:ea typeface="Microsoft JhengHei" pitchFamily="34" charset="-120"/>
@@ -3368,184 +3797,81 @@
               <a:buNone/>
             </a:pPr>
             <a:r>
-              <a:rPr lang="zh-TW" altLang="en-US" sz="4800" b="1" dirty="0" smtClean="0">
-                <a:solidFill>
-                  <a:srgbClr val="0070C0"/>
+              <a:rPr lang="zh-TW" altLang="en-US" sz="4800" b="1" dirty="0">
+                <a:solidFill>
+                  <a:srgbClr val="000066"/>
                 </a:solidFill>
                 <a:latin typeface="Microsoft JhengHei" pitchFamily="34" charset="-120"/>
                 <a:ea typeface="Microsoft JhengHei" pitchFamily="34" charset="-120"/>
               </a:rPr>
-              <a:t>歌時常</a:t>
-            </a:r>
-            <a:r>
-              <a:rPr lang="zh-TW" altLang="en-US" sz="4800" b="1" dirty="0">
-                <a:solidFill>
-                  <a:srgbClr val="0070C0"/>
-                </a:solidFill>
-                <a:latin typeface="Microsoft JhengHei" pitchFamily="34" charset="-120"/>
-                <a:ea typeface="Microsoft JhengHei" pitchFamily="34" charset="-120"/>
-              </a:rPr>
-              <a:t>吟奇妙</a:t>
-            </a:r>
-            <a:r>
-              <a:rPr lang="zh-TW" altLang="en-US" sz="4800" b="1" dirty="0" smtClean="0">
-                <a:solidFill>
-                  <a:srgbClr val="0070C0"/>
-                </a:solidFill>
-                <a:latin typeface="Microsoft JhengHei" pitchFamily="34" charset="-120"/>
-                <a:ea typeface="Microsoft JhengHei" pitchFamily="34" charset="-120"/>
-              </a:rPr>
-              <a:t>歌</a:t>
-            </a:r>
-            <a:r>
-              <a:rPr lang="zh-TW" altLang="en-US" sz="4800" b="1" dirty="0">
-                <a:solidFill>
-                  <a:srgbClr val="0070C0"/>
-                </a:solidFill>
-                <a:latin typeface="Microsoft JhengHei" pitchFamily="34" charset="-120"/>
-                <a:ea typeface="Microsoft JhengHei" pitchFamily="34" charset="-120"/>
-              </a:rPr>
-              <a:t> </a:t>
-            </a:r>
-            <a:r>
-              <a:rPr lang="zh-TW" altLang="en-US" sz="4800" b="1" dirty="0" smtClean="0">
-                <a:solidFill>
-                  <a:srgbClr val="0070C0"/>
-                </a:solidFill>
-                <a:latin typeface="Microsoft JhengHei" pitchFamily="34" charset="-120"/>
-                <a:ea typeface="Microsoft JhengHei" pitchFamily="34" charset="-120"/>
-              </a:rPr>
-              <a:t> </a:t>
-            </a:r>
-            <a:r>
-              <a:rPr lang="zh-TW" altLang="en-US" sz="4800" b="1" dirty="0" smtClean="0">
-                <a:solidFill>
-                  <a:srgbClr val="0070C0"/>
-                </a:solidFill>
-                <a:latin typeface="Microsoft JhengHei" pitchFamily="34" charset="-120"/>
-                <a:ea typeface="Microsoft JhengHei" pitchFamily="34" charset="-120"/>
-              </a:rPr>
-              <a:t>像</a:t>
-            </a:r>
-            <a:r>
-              <a:rPr lang="zh-TW" altLang="en-US" sz="4800" b="1" dirty="0">
-                <a:solidFill>
-                  <a:srgbClr val="0070C0"/>
-                </a:solidFill>
-                <a:latin typeface="Microsoft JhengHei" pitchFamily="34" charset="-120"/>
-                <a:ea typeface="Microsoft JhengHei" pitchFamily="34" charset="-120"/>
-              </a:rPr>
-              <a:t>天使同</a:t>
-            </a:r>
-            <a:r>
-              <a:rPr lang="zh-TW" altLang="en-US" sz="4800" b="1" dirty="0" smtClean="0">
-                <a:solidFill>
-                  <a:srgbClr val="0070C0"/>
-                </a:solidFill>
-                <a:latin typeface="Microsoft JhengHei" pitchFamily="34" charset="-120"/>
-                <a:ea typeface="Microsoft JhengHei" pitchFamily="34" charset="-120"/>
-              </a:rPr>
-              <a:t>唱和</a:t>
-            </a:r>
-            <a:endParaRPr lang="en-US" altLang="zh-TW" sz="4800" b="1" dirty="0" smtClean="0">
+              <a:t>這詩由天賜給我</a:t>
+            </a:r>
+            <a:endParaRPr lang="en-US" altLang="zh-TW" sz="4800" b="1" dirty="0">
               <a:solidFill>
-                <a:srgbClr val="0070C0"/>
+                <a:srgbClr val="000066"/>
               </a:solidFill>
               <a:latin typeface="Microsoft JhengHei" pitchFamily="34" charset="-120"/>
               <a:ea typeface="Microsoft JhengHei" pitchFamily="34" charset="-120"/>
             </a:endParaRPr>
           </a:p>
-          <a:p>
-            <a:pPr algn="ctr">
-              <a:buNone/>
-            </a:pPr>
-            <a:r>
-              <a:rPr lang="zh-TW" altLang="en-US" sz="4800" b="1" dirty="0" smtClean="0">
-                <a:solidFill>
-                  <a:srgbClr val="0070C0"/>
-                </a:solidFill>
-                <a:latin typeface="Microsoft JhengHei" pitchFamily="34" charset="-120"/>
-                <a:ea typeface="Microsoft JhengHei" pitchFamily="34" charset="-120"/>
+        </p:txBody>
+      </p:sp>
+      <p:sp>
+        <p:nvSpPr>
+          <p:cNvPr id="3" name="TextBox 2"/>
+          <p:cNvSpPr txBox="1"/>
+          <p:nvPr/>
+        </p:nvSpPr>
+        <p:spPr>
+          <a:xfrm>
+            <a:off x="0" y="3795886"/>
+            <a:ext cx="9144000" cy="646331"/>
+          </a:xfrm>
+          <a:prstGeom prst="rect">
+            <a:avLst/>
+          </a:prstGeom>
+          <a:noFill/>
+        </p:spPr>
+        <p:txBody>
+          <a:bodyPr wrap="square" rtlCol="0">
+            <a:spAutoFit/>
+          </a:bodyPr>
+          <a:lstStyle/>
+          <a:p>
+            <a:pPr algn="ctr"/>
+            <a:r>
+              <a:rPr lang="en-US" sz="3600" b="1" dirty="0" smtClean="0">
+                <a:solidFill>
+                  <a:srgbClr val="000066"/>
+                </a:solidFill>
               </a:rPr>
-              <a:t>在</a:t>
-            </a:r>
-            <a:r>
-              <a:rPr lang="zh-TW" altLang="en-US" sz="4800" b="1" dirty="0">
-                <a:solidFill>
-                  <a:srgbClr val="0070C0"/>
-                </a:solidFill>
-                <a:latin typeface="Microsoft JhengHei" pitchFamily="34" charset="-120"/>
-                <a:ea typeface="Microsoft JhengHei" pitchFamily="34" charset="-120"/>
-              </a:rPr>
-              <a:t>我</a:t>
-            </a:r>
-            <a:r>
-              <a:rPr lang="zh-TW" altLang="en-US" sz="4800" b="1" dirty="0" smtClean="0">
-                <a:solidFill>
-                  <a:srgbClr val="0070C0"/>
-                </a:solidFill>
-                <a:latin typeface="Microsoft JhengHei" pitchFamily="34" charset="-120"/>
-                <a:ea typeface="Microsoft JhengHei" pitchFamily="34" charset="-120"/>
-              </a:rPr>
-              <a:t>心裡常</a:t>
-            </a:r>
-            <a:r>
-              <a:rPr lang="zh-TW" altLang="en-US" sz="4800" b="1" dirty="0">
-                <a:solidFill>
-                  <a:srgbClr val="0070C0"/>
-                </a:solidFill>
-                <a:latin typeface="Microsoft JhengHei" pitchFamily="34" charset="-120"/>
-                <a:ea typeface="Microsoft JhengHei" pitchFamily="34" charset="-120"/>
-              </a:rPr>
-              <a:t>吟</a:t>
-            </a:r>
-            <a:r>
-              <a:rPr lang="zh-TW" altLang="en-US" sz="4800" b="1" dirty="0" smtClean="0">
-                <a:solidFill>
-                  <a:srgbClr val="0070C0"/>
-                </a:solidFill>
-                <a:latin typeface="Microsoft JhengHei" pitchFamily="34" charset="-120"/>
-                <a:ea typeface="Microsoft JhengHei" pitchFamily="34" charset="-120"/>
-              </a:rPr>
-              <a:t>讚美</a:t>
-            </a:r>
-            <a:endParaRPr lang="en-US" altLang="zh-TW" sz="4800" b="1" dirty="0" smtClean="0">
+              <a:t>( 1 )</a:t>
+            </a:r>
+            <a:endParaRPr lang="vi-VN" sz="3600" b="1" dirty="0">
               <a:solidFill>
-                <a:srgbClr val="0070C0"/>
+                <a:srgbClr val="000066"/>
               </a:solidFill>
-              <a:latin typeface="Microsoft JhengHei" pitchFamily="34" charset="-120"/>
-              <a:ea typeface="Microsoft JhengHei" pitchFamily="34" charset="-120"/>
             </a:endParaRPr>
           </a:p>
-          <a:p>
-            <a:pPr algn="ctr">
-              <a:buNone/>
-            </a:pPr>
-            <a:r>
-              <a:rPr lang="zh-TW" altLang="en-US" sz="4800" b="1" dirty="0" smtClean="0">
-                <a:solidFill>
-                  <a:srgbClr val="0070C0"/>
-                </a:solidFill>
-                <a:latin typeface="Microsoft JhengHei" pitchFamily="34" charset="-120"/>
-                <a:ea typeface="Microsoft JhengHei" pitchFamily="34" charset="-120"/>
-              </a:rPr>
-              <a:t>歌時常吟奇妙恩愛歌</a:t>
-            </a:r>
-            <a:endParaRPr lang="zh-TW" altLang="en-US" sz="4800" b="1" dirty="0">
-              <a:solidFill>
-                <a:srgbClr val="0070C0"/>
-              </a:solidFill>
-              <a:latin typeface="Microsoft JhengHei" pitchFamily="34" charset="-120"/>
-              <a:ea typeface="Microsoft JhengHei" pitchFamily="34" charset="-120"/>
-            </a:endParaRPr>
-          </a:p>
         </p:txBody>
       </p:sp>
     </p:spTree>
+    <p:extLst>
+      <p:ext uri="{BB962C8B-B14F-4D97-AF65-F5344CB8AC3E}">
+        <p14:creationId xmlns:p14="http://schemas.microsoft.com/office/powerpoint/2010/main" val="3566809030"/>
+      </p:ext>
+    </p:extLst>
   </p:cSld>
   <p:clrMapOvr>
     <a:masterClrMapping/>
   </p:clrMapOvr>
+  <p:timing>
+    <p:tnLst>
+      <p:par>
+        <p:cTn id="1" dur="indefinite" restart="never" nodeType="tmRoot"/>
+      </p:par>
+    </p:tnLst>
+  </p:timing>
 </p:sld>
 </file>
 
@@ -3568,77 +3894,42 @@
       </p:grpSpPr>
       <p:sp>
         <p:nvSpPr>
-          <p:cNvPr id="2" name="標題 1"/>
-          <p:cNvSpPr>
-            <a:spLocks noGrp="1"/>
-          </p:cNvSpPr>
-          <p:nvPr>
-            <p:ph type="title"/>
-          </p:nvPr>
-        </p:nvSpPr>
-        <p:spPr/>
-        <p:txBody>
-          <a:bodyPr>
+          <p:cNvPr id="5" name="內容版面配置區 4"/>
+          <p:cNvSpPr>
+            <a:spLocks noGrp="1"/>
+          </p:cNvSpPr>
+          <p:nvPr>
+            <p:ph idx="1"/>
+          </p:nvPr>
+        </p:nvSpPr>
+        <p:spPr>
+          <a:xfrm>
+            <a:off x="0" y="1563638"/>
+            <a:ext cx="9144000" cy="1803647"/>
+          </a:xfrm>
+        </p:spPr>
+        <p:txBody>
+          <a:bodyPr anchor="ctr">
             <a:normAutofit/>
           </a:bodyPr>
           <a:lstStyle/>
           <a:p>
-            <a:r>
-              <a:rPr lang="zh-TW" altLang="en-US" sz="4000" b="1" dirty="0">
-                <a:solidFill>
-                  <a:srgbClr val="0070C0"/>
+            <a:pPr algn="ctr">
+              <a:buNone/>
+            </a:pPr>
+            <a:r>
+              <a:rPr lang="zh-TW" altLang="en-US" sz="4800" b="1" dirty="0">
+                <a:solidFill>
+                  <a:srgbClr val="000066"/>
                 </a:solidFill>
                 <a:latin typeface="Microsoft JhengHei" pitchFamily="34" charset="-120"/>
                 <a:ea typeface="Microsoft JhengHei" pitchFamily="34" charset="-120"/>
               </a:rPr>
-              <a:t>在我心裡常吟讚美歌</a:t>
-            </a:r>
-          </a:p>
-        </p:txBody>
-      </p:sp>
-      <p:sp>
-        <p:nvSpPr>
-          <p:cNvPr id="3" name="內容版面配置區 2"/>
-          <p:cNvSpPr>
-            <a:spLocks noGrp="1"/>
-          </p:cNvSpPr>
-          <p:nvPr>
-            <p:ph idx="1"/>
-          </p:nvPr>
-        </p:nvSpPr>
-        <p:spPr/>
-        <p:txBody>
-          <a:bodyPr anchor="ctr">
-            <a:noAutofit/>
-          </a:bodyPr>
-          <a:lstStyle/>
-          <a:p>
-            <a:pPr algn="ctr">
-              <a:buNone/>
-            </a:pPr>
-            <a:r>
-              <a:rPr lang="zh-TW" altLang="en-US" sz="4800" b="1" dirty="0">
-                <a:solidFill>
-                  <a:srgbClr val="0070C0"/>
-                </a:solidFill>
-                <a:latin typeface="Microsoft JhengHei" pitchFamily="34" charset="-120"/>
-                <a:ea typeface="Microsoft JhengHei" pitchFamily="34" charset="-120"/>
-              </a:rPr>
-              <a:t>我愛耶穌因祂為我</a:t>
-            </a:r>
-            <a:r>
-              <a:rPr lang="zh-TW" altLang="en-US" sz="4800" b="1" dirty="0">
-                <a:solidFill>
-                  <a:srgbClr val="0070C0"/>
-                </a:solidFill>
-                <a:latin typeface="Microsoft JhengHei" pitchFamily="34" charset="-120"/>
-                <a:ea typeface="Microsoft JhengHei" pitchFamily="34" charset="-120"/>
-              </a:rPr>
-              <a:t>死</a:t>
+              <a:t>從未有此美妙絕倫音樂</a:t>
             </a:r>
             <a:endParaRPr lang="en-US" altLang="zh-TW" sz="4800" b="1" dirty="0">
               <a:solidFill>
-                <a:srgbClr val="0070C0"/>
+                <a:srgbClr val="000066"/>
               </a:solidFill>
               <a:latin typeface="Microsoft JhengHei" pitchFamily="34" charset="-120"/>
               <a:ea typeface="Microsoft JhengHei" pitchFamily="34" charset="-120"/>
@@ -3651,132 +3942,79 @@
             <a:r>
               <a:rPr lang="zh-TW" altLang="en-US" sz="4800" b="1" dirty="0">
                 <a:solidFill>
-                  <a:srgbClr val="0070C0"/>
+                  <a:srgbClr val="000066"/>
                 </a:solidFill>
                 <a:latin typeface="Microsoft JhengHei" pitchFamily="34" charset="-120"/>
                 <a:ea typeface="Microsoft JhengHei" pitchFamily="34" charset="-120"/>
               </a:rPr>
-              <a:t>赦</a:t>
-            </a:r>
-            <a:r>
-              <a:rPr lang="zh-TW" altLang="en-US" sz="4800" b="1" dirty="0">
-                <a:solidFill>
-                  <a:srgbClr val="0070C0"/>
-                </a:solidFill>
-                <a:latin typeface="Microsoft JhengHei" pitchFamily="34" charset="-120"/>
-                <a:ea typeface="Microsoft JhengHei" pitchFamily="34" charset="-120"/>
-              </a:rPr>
-              <a:t>罪恩白白賜</a:t>
-            </a:r>
-            <a:r>
-              <a:rPr lang="zh-TW" altLang="en-US" sz="4800" b="1" dirty="0">
-                <a:solidFill>
-                  <a:srgbClr val="0070C0"/>
-                </a:solidFill>
-                <a:latin typeface="Microsoft JhengHei" pitchFamily="34" charset="-120"/>
-                <a:ea typeface="Microsoft JhengHei" pitchFamily="34" charset="-120"/>
-              </a:rPr>
-              <a:t>我</a:t>
-            </a:r>
-            <a:endParaRPr lang="en-US" altLang="zh-TW" sz="4800" b="1" dirty="0">
+              <a:t>真是奇妙恩愛歌</a:t>
+            </a:r>
+            <a:endParaRPr lang="zh-TW" altLang="en-US" sz="4800" b="1" dirty="0">
               <a:solidFill>
-                <a:srgbClr val="0070C0"/>
+                <a:srgbClr val="000066"/>
               </a:solidFill>
               <a:latin typeface="Microsoft JhengHei" pitchFamily="34" charset="-120"/>
               <a:ea typeface="Microsoft JhengHei" pitchFamily="34" charset="-120"/>
             </a:endParaRPr>
           </a:p>
-          <a:p>
-            <a:pPr algn="ctr">
-              <a:buNone/>
-            </a:pPr>
-            <a:r>
-              <a:rPr lang="zh-TW" altLang="en-US" sz="4800" b="1" dirty="0">
-                <a:solidFill>
-                  <a:srgbClr val="0070C0"/>
-                </a:solidFill>
-                <a:latin typeface="Microsoft JhengHei" pitchFamily="34" charset="-120"/>
-                <a:ea typeface="Microsoft JhengHei" pitchFamily="34" charset="-120"/>
+        </p:txBody>
+      </p:sp>
+      <p:sp>
+        <p:nvSpPr>
+          <p:cNvPr id="3" name="TextBox 2"/>
+          <p:cNvSpPr txBox="1"/>
+          <p:nvPr/>
+        </p:nvSpPr>
+        <p:spPr>
+          <a:xfrm>
+            <a:off x="0" y="3795886"/>
+            <a:ext cx="9144000" cy="646331"/>
+          </a:xfrm>
+          <a:prstGeom prst="rect">
+            <a:avLst/>
+          </a:prstGeom>
+          <a:noFill/>
+        </p:spPr>
+        <p:txBody>
+          <a:bodyPr wrap="square" rtlCol="0">
+            <a:spAutoFit/>
+          </a:bodyPr>
+          <a:lstStyle/>
+          <a:p>
+            <a:pPr algn="ctr"/>
+            <a:r>
+              <a:rPr lang="en-US" sz="3600" b="1" dirty="0" smtClean="0">
+                <a:solidFill>
+                  <a:srgbClr val="000066"/>
+                </a:solidFill>
               </a:rPr>
-              <a:t>主</a:t>
-            </a:r>
-            <a:r>
-              <a:rPr lang="zh-TW" altLang="en-US" sz="4800" b="1" dirty="0">
-                <a:solidFill>
-                  <a:srgbClr val="0070C0"/>
-                </a:solidFill>
-                <a:latin typeface="Microsoft JhengHei" pitchFamily="34" charset="-120"/>
-                <a:ea typeface="Microsoft JhengHei" pitchFamily="34" charset="-120"/>
-              </a:rPr>
-              <a:t>在我心裡且使我</a:t>
-            </a:r>
-            <a:r>
-              <a:rPr lang="zh-TW" altLang="en-US" sz="4800" b="1" dirty="0">
-                <a:solidFill>
-                  <a:srgbClr val="0070C0"/>
-                </a:solidFill>
-                <a:latin typeface="Microsoft JhengHei" pitchFamily="34" charset="-120"/>
-                <a:ea typeface="Microsoft JhengHei" pitchFamily="34" charset="-120"/>
-              </a:rPr>
-              <a:t>快樂</a:t>
-            </a:r>
-            <a:endParaRPr lang="en-US" altLang="zh-TW" sz="4800" b="1" dirty="0">
+              <a:t>( 1 )</a:t>
+            </a:r>
+            <a:endParaRPr lang="vi-VN" sz="3600" b="1" dirty="0">
               <a:solidFill>
-                <a:srgbClr val="0070C0"/>
+                <a:srgbClr val="000066"/>
               </a:solidFill>
-              <a:latin typeface="Microsoft JhengHei" pitchFamily="34" charset="-120"/>
-              <a:ea typeface="Microsoft JhengHei" pitchFamily="34" charset="-120"/>
             </a:endParaRPr>
           </a:p>
-          <a:p>
-            <a:pPr algn="ctr">
-              <a:buNone/>
-            </a:pPr>
-            <a:r>
-              <a:rPr lang="zh-TW" altLang="en-US" sz="4800" b="1" dirty="0">
-                <a:solidFill>
-                  <a:srgbClr val="0070C0"/>
-                </a:solidFill>
-                <a:latin typeface="Microsoft JhengHei" pitchFamily="34" charset="-120"/>
-                <a:ea typeface="Microsoft JhengHei" pitchFamily="34" charset="-120"/>
-              </a:rPr>
-              <a:t>今後</a:t>
-            </a:r>
-            <a:r>
-              <a:rPr lang="zh-TW" altLang="en-US" sz="4800" b="1" dirty="0">
-                <a:solidFill>
-                  <a:srgbClr val="0070C0"/>
-                </a:solidFill>
-                <a:latin typeface="Microsoft JhengHei" pitchFamily="34" charset="-120"/>
-                <a:ea typeface="Microsoft JhengHei" pitchFamily="34" charset="-120"/>
-              </a:rPr>
-              <a:t>要唱凱旋</a:t>
-            </a:r>
-            <a:r>
-              <a:rPr lang="zh-TW" altLang="en-US" sz="4800" b="1" dirty="0">
-                <a:solidFill>
-                  <a:srgbClr val="0070C0"/>
-                </a:solidFill>
-                <a:latin typeface="Microsoft JhengHei" pitchFamily="34" charset="-120"/>
-                <a:ea typeface="Microsoft JhengHei" pitchFamily="34" charset="-120"/>
-              </a:rPr>
-              <a:t>歌</a:t>
-            </a:r>
-            <a:endParaRPr lang="zh-TW" altLang="en-US" sz="4800" b="1" dirty="0">
-              <a:solidFill>
-                <a:srgbClr val="0070C0"/>
-              </a:solidFill>
-              <a:latin typeface="Microsoft JhengHei" pitchFamily="34" charset="-120"/>
-              <a:ea typeface="Microsoft JhengHei" pitchFamily="34" charset="-120"/>
-            </a:endParaRPr>
-          </a:p>
         </p:txBody>
       </p:sp>
     </p:spTree>
+    <p:extLst>
+      <p:ext uri="{BB962C8B-B14F-4D97-AF65-F5344CB8AC3E}">
+        <p14:creationId xmlns:p14="http://schemas.microsoft.com/office/powerpoint/2010/main" val="2411231992"/>
+      </p:ext>
+    </p:extLst>
   </p:cSld>
   <p:clrMapOvr>
     <a:masterClrMapping/>
   </p:clrMapOvr>
+  <p:timing>
+    <p:tnLst>
+      <p:par>
+        <p:cTn id="1" dur="indefinite" restart="never" nodeType="tmRoot"/>
+      </p:par>
+    </p:tnLst>
+  </p:timing>
 </p:sld>
 </file>
 
@@ -3799,82 +4037,42 @@
       </p:grpSpPr>
       <p:sp>
         <p:nvSpPr>
-          <p:cNvPr id="2" name="標題 1"/>
-          <p:cNvSpPr>
-            <a:spLocks noGrp="1"/>
-          </p:cNvSpPr>
-          <p:nvPr>
-            <p:ph type="title"/>
-          </p:nvPr>
-        </p:nvSpPr>
-        <p:spPr/>
-        <p:txBody>
-          <a:bodyPr>
+          <p:cNvPr id="5" name="內容版面配置區 4"/>
+          <p:cNvSpPr>
+            <a:spLocks noGrp="1"/>
+          </p:cNvSpPr>
+          <p:nvPr>
+            <p:ph idx="1"/>
+          </p:nvPr>
+        </p:nvSpPr>
+        <p:spPr>
+          <a:xfrm>
+            <a:off x="0" y="1563638"/>
+            <a:ext cx="9144000" cy="1803647"/>
+          </a:xfrm>
+        </p:spPr>
+        <p:txBody>
+          <a:bodyPr anchor="ctr">
             <a:normAutofit/>
           </a:bodyPr>
           <a:lstStyle/>
           <a:p>
-            <a:r>
-              <a:rPr lang="zh-TW" altLang="en-US" sz="4000" b="1" dirty="0">
-                <a:solidFill>
-                  <a:srgbClr val="0070C0"/>
+            <a:pPr algn="ctr">
+              <a:buNone/>
+            </a:pPr>
+            <a:r>
+              <a:rPr lang="zh-TW" altLang="en-US" sz="4800" b="1" dirty="0">
+                <a:solidFill>
+                  <a:srgbClr val="000066"/>
                 </a:solidFill>
                 <a:latin typeface="Microsoft JhengHei" pitchFamily="34" charset="-120"/>
                 <a:ea typeface="Microsoft JhengHei" pitchFamily="34" charset="-120"/>
               </a:rPr>
-              <a:t>在我心裡常吟讚美歌</a:t>
-            </a:r>
-          </a:p>
-        </p:txBody>
-      </p:sp>
-      <p:sp>
-        <p:nvSpPr>
-          <p:cNvPr id="3" name="內容版面配置區 2"/>
-          <p:cNvSpPr>
-            <a:spLocks noGrp="1"/>
-          </p:cNvSpPr>
-          <p:nvPr>
-            <p:ph idx="1"/>
-          </p:nvPr>
-        </p:nvSpPr>
-        <p:spPr>
-          <a:xfrm>
-            <a:off x="0" y="1200150"/>
-            <a:ext cx="9144000" cy="3675476"/>
-          </a:xfrm>
-        </p:spPr>
-        <p:txBody>
-          <a:bodyPr anchor="ctr">
-            <a:noAutofit/>
-          </a:bodyPr>
-          <a:lstStyle/>
-          <a:p>
-            <a:pPr algn="ctr">
-              <a:buNone/>
-            </a:pPr>
-            <a:r>
-              <a:rPr lang="zh-TW" altLang="en-US" sz="4800" b="1" dirty="0">
-                <a:solidFill>
-                  <a:srgbClr val="0070C0"/>
-                </a:solidFill>
-                <a:latin typeface="Microsoft JhengHei" pitchFamily="34" charset="-120"/>
-                <a:ea typeface="Microsoft JhengHei" pitchFamily="34" charset="-120"/>
-              </a:rPr>
-              <a:t>在我心裡常吟</a:t>
-            </a:r>
-            <a:r>
-              <a:rPr lang="zh-TW" altLang="en-US" sz="4800" b="1" dirty="0">
-                <a:solidFill>
-                  <a:srgbClr val="0070C0"/>
-                </a:solidFill>
-                <a:latin typeface="Microsoft JhengHei" pitchFamily="34" charset="-120"/>
-                <a:ea typeface="Microsoft JhengHei" pitchFamily="34" charset="-120"/>
-              </a:rPr>
-              <a:t>讚美</a:t>
+              <a:t>在我心裡常吟讚美</a:t>
             </a:r>
             <a:endParaRPr lang="en-US" altLang="zh-TW" sz="4800" b="1" dirty="0">
               <a:solidFill>
-                <a:srgbClr val="0070C0"/>
+                <a:srgbClr val="000066"/>
               </a:solidFill>
               <a:latin typeface="Microsoft JhengHei" pitchFamily="34" charset="-120"/>
               <a:ea typeface="Microsoft JhengHei" pitchFamily="34" charset="-120"/>
@@ -3887,172 +4085,60 @@
             <a:r>
               <a:rPr lang="zh-TW" altLang="en-US" sz="4800" b="1" dirty="0">
                 <a:solidFill>
-                  <a:srgbClr val="0070C0"/>
+                  <a:srgbClr val="000066"/>
                 </a:solidFill>
                 <a:latin typeface="Microsoft JhengHei" pitchFamily="34" charset="-120"/>
                 <a:ea typeface="Microsoft JhengHei" pitchFamily="34" charset="-120"/>
               </a:rPr>
-              <a:t>歌時常</a:t>
-            </a:r>
-            <a:r>
-              <a:rPr lang="zh-TW" altLang="en-US" sz="4800" b="1" dirty="0">
-                <a:solidFill>
-                  <a:srgbClr val="0070C0"/>
+              <a:t>歌時常吟奇妙</a:t>
+            </a:r>
+            <a:r>
+              <a:rPr lang="zh-TW" altLang="en-US" sz="4800" b="1" dirty="0" smtClean="0">
+                <a:solidFill>
+                  <a:srgbClr val="000066"/>
                 </a:solidFill>
                 <a:latin typeface="Microsoft JhengHei" pitchFamily="34" charset="-120"/>
                 <a:ea typeface="Microsoft JhengHei" pitchFamily="34" charset="-120"/>
               </a:rPr>
-              <a:t>吟奇妙</a:t>
+              <a:t>歌  像</a:t>
             </a:r>
             <a:r>
               <a:rPr lang="zh-TW" altLang="en-US" sz="4800" b="1" dirty="0">
                 <a:solidFill>
-                  <a:srgbClr val="0070C0"/>
+                  <a:srgbClr val="000066"/>
                 </a:solidFill>
                 <a:latin typeface="Microsoft JhengHei" pitchFamily="34" charset="-120"/>
                 <a:ea typeface="Microsoft JhengHei" pitchFamily="34" charset="-120"/>
               </a:rPr>
-              <a:t>歌</a:t>
-            </a:r>
-            <a:r>
-              <a:rPr lang="zh-TW" altLang="en-US" sz="4800" b="1" dirty="0">
-                <a:solidFill>
-                  <a:srgbClr val="0070C0"/>
-                </a:solidFill>
-                <a:latin typeface="Microsoft JhengHei" pitchFamily="34" charset="-120"/>
-                <a:ea typeface="Microsoft JhengHei" pitchFamily="34" charset="-120"/>
-              </a:rPr>
-              <a:t>　　　</a:t>
-            </a:r>
-            <a:endParaRPr lang="en-US" altLang="zh-TW" sz="4800" b="1" dirty="0">
+              <a:t>天使同唱和</a:t>
+            </a:r>
+            <a:endParaRPr lang="zh-TW" altLang="en-US" sz="4800" b="1" dirty="0">
               <a:solidFill>
-                <a:srgbClr val="0070C0"/>
+                <a:srgbClr val="000066"/>
               </a:solidFill>
               <a:latin typeface="Microsoft JhengHei" pitchFamily="34" charset="-120"/>
               <a:ea typeface="Microsoft JhengHei" pitchFamily="34" charset="-120"/>
             </a:endParaRPr>
           </a:p>
-          <a:p>
-            <a:pPr algn="ctr">
-              <a:buNone/>
-            </a:pPr>
-            <a:r>
-              <a:rPr lang="zh-TW" altLang="en-US" sz="4800" b="1" dirty="0">
-                <a:solidFill>
-                  <a:srgbClr val="0070C0"/>
-                </a:solidFill>
-                <a:latin typeface="Microsoft JhengHei" pitchFamily="34" charset="-120"/>
-                <a:ea typeface="Microsoft JhengHei" pitchFamily="34" charset="-120"/>
-              </a:rPr>
-              <a:t>像</a:t>
-            </a:r>
-            <a:r>
-              <a:rPr lang="zh-TW" altLang="en-US" sz="4800" b="1" dirty="0">
-                <a:solidFill>
-                  <a:srgbClr val="0070C0"/>
-                </a:solidFill>
-                <a:latin typeface="Microsoft JhengHei" pitchFamily="34" charset="-120"/>
-                <a:ea typeface="Microsoft JhengHei" pitchFamily="34" charset="-120"/>
-              </a:rPr>
-              <a:t>天使同</a:t>
-            </a:r>
-            <a:r>
-              <a:rPr lang="zh-TW" altLang="en-US" sz="4800" b="1" dirty="0">
-                <a:solidFill>
-                  <a:srgbClr val="0070C0"/>
-                </a:solidFill>
-                <a:latin typeface="Microsoft JhengHei" pitchFamily="34" charset="-120"/>
-                <a:ea typeface="Microsoft JhengHei" pitchFamily="34" charset="-120"/>
-              </a:rPr>
-              <a:t>唱</a:t>
-            </a:r>
-            <a:r>
-              <a:rPr lang="zh-TW" altLang="en-US" sz="4800" b="1" dirty="0" smtClean="0">
-                <a:solidFill>
-                  <a:srgbClr val="0070C0"/>
-                </a:solidFill>
-                <a:latin typeface="Microsoft JhengHei" pitchFamily="34" charset="-120"/>
-                <a:ea typeface="Microsoft JhengHei" pitchFamily="34" charset="-120"/>
-              </a:rPr>
-              <a:t>和</a:t>
-            </a:r>
-            <a:r>
-              <a:rPr lang="en-US" altLang="zh-TW" sz="4800" b="1" dirty="0">
-                <a:solidFill>
-                  <a:srgbClr val="0070C0"/>
-                </a:solidFill>
-                <a:latin typeface="Microsoft JhengHei" pitchFamily="34" charset="-120"/>
-                <a:ea typeface="Microsoft JhengHei" pitchFamily="34" charset="-120"/>
-              </a:rPr>
-              <a:t> </a:t>
-            </a:r>
-            <a:r>
-              <a:rPr lang="en-US" altLang="zh-TW" sz="4800" b="1" dirty="0" smtClean="0">
-                <a:solidFill>
-                  <a:srgbClr val="0070C0"/>
-                </a:solidFill>
-                <a:latin typeface="Microsoft JhengHei" pitchFamily="34" charset="-120"/>
-                <a:ea typeface="Microsoft JhengHei" pitchFamily="34" charset="-120"/>
-              </a:rPr>
-              <a:t> </a:t>
-            </a:r>
-            <a:r>
-              <a:rPr lang="zh-TW" altLang="en-US" sz="4800" b="1" dirty="0" smtClean="0">
-                <a:solidFill>
-                  <a:srgbClr val="0070C0"/>
-                </a:solidFill>
-                <a:latin typeface="Microsoft JhengHei" pitchFamily="34" charset="-120"/>
-                <a:ea typeface="Microsoft JhengHei" pitchFamily="34" charset="-120"/>
-              </a:rPr>
-              <a:t>在我心裡常吟讚美</a:t>
-            </a:r>
-            <a:endParaRPr lang="en-US" altLang="zh-TW" sz="4800" b="1" dirty="0" smtClean="0">
-              <a:solidFill>
-                <a:srgbClr val="0070C0"/>
-              </a:solidFill>
-              <a:latin typeface="Microsoft JhengHei" pitchFamily="34" charset="-120"/>
-              <a:ea typeface="Microsoft JhengHei" pitchFamily="34" charset="-120"/>
-            </a:endParaRPr>
-          </a:p>
-          <a:p>
-            <a:pPr algn="ctr">
-              <a:buNone/>
-            </a:pPr>
-            <a:r>
-              <a:rPr lang="zh-TW" altLang="en-US" sz="4800" b="1" dirty="0" smtClean="0">
-                <a:solidFill>
-                  <a:srgbClr val="0070C0"/>
-                </a:solidFill>
-                <a:latin typeface="Microsoft JhengHei" pitchFamily="34" charset="-120"/>
-                <a:ea typeface="Microsoft JhengHei" pitchFamily="34" charset="-120"/>
-              </a:rPr>
-              <a:t>歌</a:t>
-            </a:r>
-            <a:r>
-              <a:rPr lang="zh-TW" altLang="en-US" sz="4800" b="1" dirty="0">
-                <a:solidFill>
-                  <a:srgbClr val="0070C0"/>
-                </a:solidFill>
-                <a:latin typeface="Microsoft JhengHei" pitchFamily="34" charset="-120"/>
-                <a:ea typeface="Microsoft JhengHei" pitchFamily="34" charset="-120"/>
-              </a:rPr>
-              <a:t>時常吟奇妙恩愛歌</a:t>
-            </a:r>
-            <a:endParaRPr lang="zh-TW" altLang="en-US" sz="4800" b="1" dirty="0">
-              <a:solidFill>
-                <a:srgbClr val="0070C0"/>
-              </a:solidFill>
-              <a:latin typeface="Microsoft JhengHei" pitchFamily="34" charset="-120"/>
-              <a:ea typeface="Microsoft JhengHei" pitchFamily="34" charset="-120"/>
-            </a:endParaRPr>
-          </a:p>
         </p:txBody>
       </p:sp>
     </p:spTree>
+    <p:extLst>
+      <p:ext uri="{BB962C8B-B14F-4D97-AF65-F5344CB8AC3E}">
+        <p14:creationId xmlns:p14="http://schemas.microsoft.com/office/powerpoint/2010/main" val="302988584"/>
+      </p:ext>
+    </p:extLst>
   </p:cSld>
   <p:clrMapOvr>
     <a:masterClrMapping/>
   </p:clrMapOvr>
+  <p:timing>
+    <p:tnLst>
+      <p:par>
+        <p:cTn id="1" dur="indefinite" restart="never" nodeType="tmRoot"/>
+      </p:par>
+    </p:tnLst>
+  </p:timing>
 </p:sld>
 </file>
 
@@ -4075,77 +4161,42 @@
       </p:grpSpPr>
       <p:sp>
         <p:nvSpPr>
-          <p:cNvPr id="2" name="標題 1"/>
-          <p:cNvSpPr>
-            <a:spLocks noGrp="1"/>
-          </p:cNvSpPr>
-          <p:nvPr>
-            <p:ph type="title"/>
-          </p:nvPr>
-        </p:nvSpPr>
-        <p:spPr/>
-        <p:txBody>
-          <a:bodyPr>
+          <p:cNvPr id="5" name="內容版面配置區 4"/>
+          <p:cNvSpPr>
+            <a:spLocks noGrp="1"/>
+          </p:cNvSpPr>
+          <p:nvPr>
+            <p:ph idx="1"/>
+          </p:nvPr>
+        </p:nvSpPr>
+        <p:spPr>
+          <a:xfrm>
+            <a:off x="0" y="1563638"/>
+            <a:ext cx="9144000" cy="1803647"/>
+          </a:xfrm>
+        </p:spPr>
+        <p:txBody>
+          <a:bodyPr anchor="ctr">
             <a:normAutofit/>
           </a:bodyPr>
           <a:lstStyle/>
           <a:p>
-            <a:r>
-              <a:rPr lang="zh-TW" altLang="en-US" sz="4000" b="1" dirty="0">
-                <a:solidFill>
-                  <a:srgbClr val="0070C0"/>
+            <a:pPr algn="ctr">
+              <a:buNone/>
+            </a:pPr>
+            <a:r>
+              <a:rPr lang="zh-TW" altLang="en-US" sz="4800" b="1" dirty="0">
+                <a:solidFill>
+                  <a:srgbClr val="000066"/>
                 </a:solidFill>
                 <a:latin typeface="Microsoft JhengHei" pitchFamily="34" charset="-120"/>
                 <a:ea typeface="Microsoft JhengHei" pitchFamily="34" charset="-120"/>
               </a:rPr>
-              <a:t>在我心裡常吟讚美歌</a:t>
-            </a:r>
-          </a:p>
-        </p:txBody>
-      </p:sp>
-      <p:sp>
-        <p:nvSpPr>
-          <p:cNvPr id="3" name="內容版面配置區 2"/>
-          <p:cNvSpPr>
-            <a:spLocks noGrp="1"/>
-          </p:cNvSpPr>
-          <p:nvPr>
-            <p:ph idx="1"/>
-          </p:nvPr>
-        </p:nvSpPr>
-        <p:spPr/>
-        <p:txBody>
-          <a:bodyPr anchor="ctr">
-            <a:noAutofit/>
-          </a:bodyPr>
-          <a:lstStyle/>
-          <a:p>
-            <a:pPr algn="ctr">
-              <a:buNone/>
-            </a:pPr>
-            <a:r>
-              <a:rPr lang="zh-TW" altLang="en-US" sz="4800" b="1" dirty="0">
-                <a:solidFill>
-                  <a:srgbClr val="0070C0"/>
-                </a:solidFill>
-                <a:latin typeface="Microsoft JhengHei" pitchFamily="34" charset="-120"/>
-                <a:ea typeface="Microsoft JhengHei" pitchFamily="34" charset="-120"/>
-              </a:rPr>
-              <a:t>耶穌再來掌王權</a:t>
-            </a:r>
-            <a:r>
-              <a:rPr lang="zh-TW" altLang="en-US" sz="4800" b="1" dirty="0">
-                <a:solidFill>
-                  <a:srgbClr val="0070C0"/>
-                </a:solidFill>
-                <a:latin typeface="Microsoft JhengHei" pitchFamily="34" charset="-120"/>
-                <a:ea typeface="Microsoft JhengHei" pitchFamily="34" charset="-120"/>
-              </a:rPr>
-              <a:t>時候</a:t>
+              <a:t>在我心裡常吟讚美</a:t>
             </a:r>
             <a:endParaRPr lang="en-US" altLang="zh-TW" sz="4800" b="1" dirty="0">
               <a:solidFill>
-                <a:srgbClr val="0070C0"/>
+                <a:srgbClr val="000066"/>
               </a:solidFill>
               <a:latin typeface="Microsoft JhengHei" pitchFamily="34" charset="-120"/>
               <a:ea typeface="Microsoft JhengHei" pitchFamily="34" charset="-120"/>
@@ -4158,132 +4209,40 @@
             <a:r>
               <a:rPr lang="zh-TW" altLang="en-US" sz="4800" b="1" dirty="0">
                 <a:solidFill>
-                  <a:srgbClr val="0070C0"/>
+                  <a:srgbClr val="000066"/>
                 </a:solidFill>
                 <a:latin typeface="Microsoft JhengHei" pitchFamily="34" charset="-120"/>
                 <a:ea typeface="Microsoft JhengHei" pitchFamily="34" charset="-120"/>
               </a:rPr>
-              <a:t>我</a:t>
-            </a:r>
-            <a:r>
-              <a:rPr lang="zh-TW" altLang="en-US" sz="4800" b="1" dirty="0">
-                <a:solidFill>
-                  <a:srgbClr val="0070C0"/>
-                </a:solidFill>
-                <a:latin typeface="Microsoft JhengHei" pitchFamily="34" charset="-120"/>
-                <a:ea typeface="Microsoft JhengHei" pitchFamily="34" charset="-120"/>
-              </a:rPr>
-              <a:t>與天使同</a:t>
-            </a:r>
-            <a:r>
-              <a:rPr lang="zh-TW" altLang="en-US" sz="4800" b="1" dirty="0">
-                <a:solidFill>
-                  <a:srgbClr val="0070C0"/>
-                </a:solidFill>
-                <a:latin typeface="Microsoft JhengHei" pitchFamily="34" charset="-120"/>
-                <a:ea typeface="Microsoft JhengHei" pitchFamily="34" charset="-120"/>
-              </a:rPr>
-              <a:t>唱和</a:t>
-            </a:r>
-            <a:endParaRPr lang="en-US" altLang="zh-TW" sz="4800" b="1" dirty="0">
+              <a:t>歌時常吟奇妙恩愛歌</a:t>
+            </a:r>
+            <a:endParaRPr lang="zh-TW" altLang="en-US" sz="4800" b="1" dirty="0">
               <a:solidFill>
-                <a:srgbClr val="0070C0"/>
+                <a:srgbClr val="000066"/>
               </a:solidFill>
               <a:latin typeface="Microsoft JhengHei" pitchFamily="34" charset="-120"/>
               <a:ea typeface="Microsoft JhengHei" pitchFamily="34" charset="-120"/>
             </a:endParaRPr>
           </a:p>
-          <a:p>
-            <a:pPr algn="ctr">
-              <a:buNone/>
-            </a:pPr>
-            <a:r>
-              <a:rPr lang="zh-TW" altLang="en-US" sz="4800" b="1" dirty="0">
-                <a:solidFill>
-                  <a:srgbClr val="0070C0"/>
-                </a:solidFill>
-                <a:latin typeface="Microsoft JhengHei" pitchFamily="34" charset="-120"/>
-                <a:ea typeface="Microsoft JhengHei" pitchFamily="34" charset="-120"/>
-              </a:rPr>
-              <a:t> </a:t>
-            </a:r>
-            <a:r>
-              <a:rPr lang="zh-TW" altLang="en-US" sz="4800" b="1" dirty="0">
-                <a:solidFill>
-                  <a:srgbClr val="0070C0"/>
-                </a:solidFill>
-                <a:latin typeface="Microsoft JhengHei" pitchFamily="34" charset="-120"/>
-                <a:ea typeface="Microsoft JhengHei" pitchFamily="34" charset="-120"/>
-              </a:rPr>
-              <a:t>這時確有美妙音樂</a:t>
-            </a:r>
-            <a:r>
-              <a:rPr lang="zh-TW" altLang="en-US" sz="4800" b="1" dirty="0">
-                <a:solidFill>
-                  <a:srgbClr val="0070C0"/>
-                </a:solidFill>
-                <a:latin typeface="Microsoft JhengHei" pitchFamily="34" charset="-120"/>
-                <a:ea typeface="Microsoft JhengHei" pitchFamily="34" charset="-120"/>
-              </a:rPr>
-              <a:t>伴奏</a:t>
-            </a:r>
-            <a:endParaRPr lang="en-US" altLang="zh-TW" sz="4800" b="1" dirty="0">
-              <a:solidFill>
-                <a:srgbClr val="0070C0"/>
-              </a:solidFill>
-              <a:latin typeface="Microsoft JhengHei" pitchFamily="34" charset="-120"/>
-              <a:ea typeface="Microsoft JhengHei" pitchFamily="34" charset="-120"/>
-            </a:endParaRPr>
-          </a:p>
-          <a:p>
-            <a:pPr algn="ctr">
-              <a:buNone/>
-            </a:pPr>
-            <a:r>
-              <a:rPr lang="zh-TW" altLang="en-US" sz="4800" b="1" dirty="0">
-                <a:solidFill>
-                  <a:srgbClr val="0070C0"/>
-                </a:solidFill>
-                <a:latin typeface="Microsoft JhengHei" pitchFamily="34" charset="-120"/>
-                <a:ea typeface="Microsoft JhengHei" pitchFamily="34" charset="-120"/>
-              </a:rPr>
-              <a:t>同</a:t>
-            </a:r>
-            <a:r>
-              <a:rPr lang="zh-TW" altLang="en-US" sz="4800" b="1" dirty="0">
-                <a:solidFill>
-                  <a:srgbClr val="0070C0"/>
-                </a:solidFill>
-                <a:latin typeface="Microsoft JhengHei" pitchFamily="34" charset="-120"/>
-                <a:ea typeface="Microsoft JhengHei" pitchFamily="34" charset="-120"/>
-              </a:rPr>
-              <a:t>在寶座前</a:t>
-            </a:r>
-            <a:r>
-              <a:rPr lang="zh-TW" altLang="en-US" sz="4800" b="1" dirty="0">
-                <a:solidFill>
-                  <a:srgbClr val="0070C0"/>
-                </a:solidFill>
-                <a:latin typeface="Microsoft JhengHei" pitchFamily="34" charset="-120"/>
-                <a:ea typeface="Microsoft JhengHei" pitchFamily="34" charset="-120"/>
-              </a:rPr>
-              <a:t>唱歌</a:t>
-            </a:r>
-            <a:endParaRPr lang="zh-TW" altLang="en-US" sz="4800" b="1" dirty="0">
-              <a:solidFill>
-                <a:srgbClr val="0070C0"/>
-              </a:solidFill>
-              <a:latin typeface="Microsoft JhengHei" pitchFamily="34" charset="-120"/>
-              <a:ea typeface="Microsoft JhengHei" pitchFamily="34" charset="-120"/>
-            </a:endParaRPr>
-          </a:p>
         </p:txBody>
       </p:sp>
     </p:spTree>
+    <p:extLst>
+      <p:ext uri="{BB962C8B-B14F-4D97-AF65-F5344CB8AC3E}">
+        <p14:creationId xmlns:p14="http://schemas.microsoft.com/office/powerpoint/2010/main" val="1155512295"/>
+      </p:ext>
+    </p:extLst>
   </p:cSld>
   <p:clrMapOvr>
     <a:masterClrMapping/>
   </p:clrMapOvr>
+  <p:timing>
+    <p:tnLst>
+      <p:par>
+        <p:cTn id="1" dur="indefinite" restart="never" nodeType="tmRoot"/>
+      </p:par>
+    </p:tnLst>
+  </p:timing>
 </p:sld>
 </file>
 
@@ -4306,82 +4265,42 @@
       </p:grpSpPr>
       <p:sp>
         <p:nvSpPr>
-          <p:cNvPr id="2" name="標題 1"/>
-          <p:cNvSpPr>
-            <a:spLocks noGrp="1"/>
-          </p:cNvSpPr>
-          <p:nvPr>
-            <p:ph type="title"/>
-          </p:nvPr>
-        </p:nvSpPr>
-        <p:spPr/>
-        <p:txBody>
-          <a:bodyPr>
+          <p:cNvPr id="5" name="內容版面配置區 4"/>
+          <p:cNvSpPr>
+            <a:spLocks noGrp="1"/>
+          </p:cNvSpPr>
+          <p:nvPr>
+            <p:ph idx="1"/>
+          </p:nvPr>
+        </p:nvSpPr>
+        <p:spPr>
+          <a:xfrm>
+            <a:off x="0" y="1563638"/>
+            <a:ext cx="9144000" cy="1803647"/>
+          </a:xfrm>
+        </p:spPr>
+        <p:txBody>
+          <a:bodyPr anchor="ctr">
             <a:normAutofit/>
           </a:bodyPr>
           <a:lstStyle/>
           <a:p>
-            <a:r>
-              <a:rPr lang="zh-TW" altLang="en-US" sz="4000" b="1" dirty="0">
-                <a:solidFill>
-                  <a:srgbClr val="0070C0"/>
+            <a:pPr algn="ctr">
+              <a:buNone/>
+            </a:pPr>
+            <a:r>
+              <a:rPr lang="zh-TW" altLang="en-US" sz="4800" b="1" dirty="0">
+                <a:solidFill>
+                  <a:srgbClr val="000066"/>
                 </a:solidFill>
                 <a:latin typeface="Microsoft JhengHei" pitchFamily="34" charset="-120"/>
                 <a:ea typeface="Microsoft JhengHei" pitchFamily="34" charset="-120"/>
               </a:rPr>
-              <a:t>在我心裡常吟讚美歌</a:t>
-            </a:r>
-          </a:p>
-        </p:txBody>
-      </p:sp>
-      <p:sp>
-        <p:nvSpPr>
-          <p:cNvPr id="3" name="內容版面配置區 2"/>
-          <p:cNvSpPr>
-            <a:spLocks noGrp="1"/>
-          </p:cNvSpPr>
-          <p:nvPr>
-            <p:ph idx="1"/>
-          </p:nvPr>
-        </p:nvSpPr>
-        <p:spPr>
-          <a:xfrm>
-            <a:off x="0" y="1200150"/>
-            <a:ext cx="9144000" cy="3675476"/>
-          </a:xfrm>
-        </p:spPr>
-        <p:txBody>
-          <a:bodyPr anchor="ctr">
-            <a:noAutofit/>
-          </a:bodyPr>
-          <a:lstStyle/>
-          <a:p>
-            <a:pPr algn="ctr">
-              <a:buNone/>
-            </a:pPr>
-            <a:r>
-              <a:rPr lang="zh-TW" altLang="en-US" sz="4800" b="1" dirty="0">
-                <a:solidFill>
-                  <a:srgbClr val="0070C0"/>
-                </a:solidFill>
-                <a:latin typeface="Microsoft JhengHei" pitchFamily="34" charset="-120"/>
-                <a:ea typeface="Microsoft JhengHei" pitchFamily="34" charset="-120"/>
-              </a:rPr>
-              <a:t>在我心裡常吟</a:t>
-            </a:r>
-            <a:r>
-              <a:rPr lang="zh-TW" altLang="en-US" sz="4800" b="1" dirty="0">
-                <a:solidFill>
-                  <a:srgbClr val="0070C0"/>
-                </a:solidFill>
-                <a:latin typeface="Microsoft JhengHei" pitchFamily="34" charset="-120"/>
-                <a:ea typeface="Microsoft JhengHei" pitchFamily="34" charset="-120"/>
-              </a:rPr>
-              <a:t>讚美</a:t>
+              <a:t>我愛耶穌因祂為我死</a:t>
             </a:r>
             <a:endParaRPr lang="en-US" altLang="zh-TW" sz="4800" b="1" dirty="0">
               <a:solidFill>
-                <a:srgbClr val="0070C0"/>
+                <a:srgbClr val="000066"/>
               </a:solidFill>
               <a:latin typeface="Microsoft JhengHei" pitchFamily="34" charset="-120"/>
               <a:ea typeface="Microsoft JhengHei" pitchFamily="34" charset="-120"/>
@@ -4394,51 +4313,120 @@
             <a:r>
               <a:rPr lang="zh-TW" altLang="en-US" sz="4800" b="1" dirty="0">
                 <a:solidFill>
-                  <a:srgbClr val="0070C0"/>
+                  <a:srgbClr val="000066"/>
                 </a:solidFill>
                 <a:latin typeface="Microsoft JhengHei" pitchFamily="34" charset="-120"/>
                 <a:ea typeface="Microsoft JhengHei" pitchFamily="34" charset="-120"/>
               </a:rPr>
-              <a:t>歌時常</a:t>
-            </a:r>
-            <a:r>
-              <a:rPr lang="zh-TW" altLang="en-US" sz="4800" b="1" dirty="0">
-                <a:solidFill>
-                  <a:srgbClr val="0070C0"/>
-                </a:solidFill>
-                <a:latin typeface="Microsoft JhengHei" pitchFamily="34" charset="-120"/>
-                <a:ea typeface="Microsoft JhengHei" pitchFamily="34" charset="-120"/>
-              </a:rPr>
-              <a:t>吟奇妙</a:t>
-            </a:r>
-            <a:r>
-              <a:rPr lang="zh-TW" altLang="en-US" sz="4800" b="1" dirty="0">
-                <a:solidFill>
-                  <a:srgbClr val="0070C0"/>
-                </a:solidFill>
-                <a:latin typeface="Microsoft JhengHei" pitchFamily="34" charset="-120"/>
-                <a:ea typeface="Microsoft JhengHei" pitchFamily="34" charset="-120"/>
-              </a:rPr>
-              <a:t>歌</a:t>
-            </a:r>
-            <a:r>
-              <a:rPr lang="zh-TW" altLang="en-US" sz="4800" b="1" dirty="0">
-                <a:solidFill>
-                  <a:srgbClr val="0070C0"/>
-                </a:solidFill>
-                <a:latin typeface="Microsoft JhengHei" pitchFamily="34" charset="-120"/>
-                <a:ea typeface="Microsoft JhengHei" pitchFamily="34" charset="-120"/>
-              </a:rPr>
-              <a:t>　　　</a:t>
+              <a:t>赦罪恩白白賜我</a:t>
             </a:r>
             <a:endParaRPr lang="en-US" altLang="zh-TW" sz="4800" b="1" dirty="0">
               <a:solidFill>
-                <a:srgbClr val="0070C0"/>
+                <a:srgbClr val="000066"/>
               </a:solidFill>
               <a:latin typeface="Microsoft JhengHei" pitchFamily="34" charset="-120"/>
               <a:ea typeface="Microsoft JhengHei" pitchFamily="34" charset="-120"/>
             </a:endParaRPr>
           </a:p>
+        </p:txBody>
+      </p:sp>
+      <p:sp>
+        <p:nvSpPr>
+          <p:cNvPr id="3" name="TextBox 2"/>
+          <p:cNvSpPr txBox="1"/>
+          <p:nvPr/>
+        </p:nvSpPr>
+        <p:spPr>
+          <a:xfrm>
+            <a:off x="0" y="3795886"/>
+            <a:ext cx="9144000" cy="646331"/>
+          </a:xfrm>
+          <a:prstGeom prst="rect">
+            <a:avLst/>
+          </a:prstGeom>
+          <a:noFill/>
+        </p:spPr>
+        <p:txBody>
+          <a:bodyPr wrap="square" rtlCol="0">
+            <a:spAutoFit/>
+          </a:bodyPr>
+          <a:lstStyle/>
+          <a:p>
+            <a:pPr algn="ctr"/>
+            <a:r>
+              <a:rPr lang="en-US" sz="3600" b="1" dirty="0" smtClean="0">
+                <a:solidFill>
+                  <a:srgbClr val="000066"/>
+                </a:solidFill>
+              </a:rPr>
+              <a:t>( 2 )</a:t>
+            </a:r>
+            <a:endParaRPr lang="vi-VN" sz="3600" b="1" dirty="0">
+              <a:solidFill>
+                <a:srgbClr val="000066"/>
+              </a:solidFill>
+            </a:endParaRPr>
+          </a:p>
+        </p:txBody>
+      </p:sp>
+    </p:spTree>
+    <p:extLst>
+      <p:ext uri="{BB962C8B-B14F-4D97-AF65-F5344CB8AC3E}">
+        <p14:creationId xmlns:p14="http://schemas.microsoft.com/office/powerpoint/2010/main" val="154871599"/>
+      </p:ext>
+    </p:extLst>
+  </p:cSld>
+  <p:clrMapOvr>
+    <a:masterClrMapping/>
+  </p:clrMapOvr>
+  <p:timing>
+    <p:tnLst>
+      <p:par>
+        <p:cTn id="1" dur="indefinite" restart="never" nodeType="tmRoot"/>
+      </p:par>
+    </p:tnLst>
+  </p:timing>
+</p:sld>
+</file>
+
+<file path=ppt/slides/slide7.xml><?xml version="1.0" encoding="utf-8"?>
+<p:sld xmlns:a="http://schemas.openxmlformats.org/drawingml/2006/main" xmlns:r="http://schemas.openxmlformats.org/officeDocument/2006/relationships" xmlns:p="http://schemas.openxmlformats.org/presentationml/2006/main">
+  <p:cSld>
+    <p:spTree>
+      <p:nvGrpSpPr>
+        <p:cNvPr id="1" name=""/>
+        <p:cNvGrpSpPr/>
+        <p:nvPr/>
+      </p:nvGrpSpPr>
+      <p:grpSpPr>
+        <a:xfrm>
+          <a:off x="0" y="0"/>
+          <a:ext cx="0" cy="0"/>
+          <a:chOff x="0" y="0"/>
+          <a:chExt cx="0" cy="0"/>
+        </a:xfrm>
+      </p:grpSpPr>
+      <p:sp>
+        <p:nvSpPr>
+          <p:cNvPr id="5" name="內容版面配置區 4"/>
+          <p:cNvSpPr>
+            <a:spLocks noGrp="1"/>
+          </p:cNvSpPr>
+          <p:nvPr>
+            <p:ph idx="1"/>
+          </p:nvPr>
+        </p:nvSpPr>
+        <p:spPr>
+          <a:xfrm>
+            <a:off x="0" y="1563638"/>
+            <a:ext cx="9144000" cy="1803647"/>
+          </a:xfrm>
+        </p:spPr>
+        <p:txBody>
+          <a:bodyPr anchor="ctr">
+            <a:normAutofit/>
+          </a:bodyPr>
+          <a:lstStyle/>
           <a:p>
             <a:pPr algn="ctr">
               <a:buNone/>
@@ -4446,106 +4434,16 @@
             <a:r>
               <a:rPr lang="zh-TW" altLang="en-US" sz="4800" b="1" dirty="0">
                 <a:solidFill>
-                  <a:srgbClr val="0070C0"/>
+                  <a:srgbClr val="000066"/>
                 </a:solidFill>
                 <a:latin typeface="Microsoft JhengHei" pitchFamily="34" charset="-120"/>
                 <a:ea typeface="Microsoft JhengHei" pitchFamily="34" charset="-120"/>
               </a:rPr>
-              <a:t>像</a:t>
-            </a:r>
-            <a:r>
-              <a:rPr lang="zh-TW" altLang="en-US" sz="4800" b="1" dirty="0">
-                <a:solidFill>
-                  <a:srgbClr val="0070C0"/>
-                </a:solidFill>
-                <a:latin typeface="Microsoft JhengHei" pitchFamily="34" charset="-120"/>
-                <a:ea typeface="Microsoft JhengHei" pitchFamily="34" charset="-120"/>
-              </a:rPr>
-              <a:t>天使同</a:t>
-            </a:r>
-            <a:r>
-              <a:rPr lang="zh-TW" altLang="en-US" sz="4800" b="1" dirty="0">
-                <a:solidFill>
-                  <a:srgbClr val="0070C0"/>
-                </a:solidFill>
-                <a:latin typeface="Microsoft JhengHei" pitchFamily="34" charset="-120"/>
-                <a:ea typeface="Microsoft JhengHei" pitchFamily="34" charset="-120"/>
-              </a:rPr>
-              <a:t>唱</a:t>
-            </a:r>
-            <a:r>
-              <a:rPr lang="zh-TW" altLang="en-US" sz="4800" b="1" dirty="0" smtClean="0">
-                <a:solidFill>
-                  <a:srgbClr val="0070C0"/>
-                </a:solidFill>
-                <a:latin typeface="Microsoft JhengHei" pitchFamily="34" charset="-120"/>
-                <a:ea typeface="Microsoft JhengHei" pitchFamily="34" charset="-120"/>
-              </a:rPr>
-              <a:t>和</a:t>
-            </a:r>
-            <a:r>
-              <a:rPr lang="en-US" altLang="zh-TW" sz="4800" b="1" dirty="0" smtClean="0">
-                <a:solidFill>
-                  <a:srgbClr val="0070C0"/>
-                </a:solidFill>
-                <a:latin typeface="Microsoft JhengHei" pitchFamily="34" charset="-120"/>
-                <a:ea typeface="Microsoft JhengHei" pitchFamily="34" charset="-120"/>
-              </a:rPr>
-              <a:t>  </a:t>
-            </a:r>
-            <a:r>
-              <a:rPr lang="zh-TW" altLang="en-US" sz="4800" b="1" dirty="0" smtClean="0">
-                <a:solidFill>
-                  <a:srgbClr val="0070C0"/>
-                </a:solidFill>
-                <a:latin typeface="Microsoft JhengHei" pitchFamily="34" charset="-120"/>
-                <a:ea typeface="Microsoft JhengHei" pitchFamily="34" charset="-120"/>
-              </a:rPr>
-              <a:t>在</a:t>
-            </a:r>
-            <a:r>
-              <a:rPr lang="zh-TW" altLang="en-US" sz="4800" b="1" dirty="0">
-                <a:solidFill>
-                  <a:srgbClr val="0070C0"/>
-                </a:solidFill>
-                <a:latin typeface="Microsoft JhengHei" pitchFamily="34" charset="-120"/>
-                <a:ea typeface="Microsoft JhengHei" pitchFamily="34" charset="-120"/>
-              </a:rPr>
-              <a:t>我</a:t>
-            </a:r>
-            <a:r>
-              <a:rPr lang="zh-TW" altLang="en-US" sz="4800" b="1" dirty="0">
-                <a:solidFill>
-                  <a:srgbClr val="0070C0"/>
-                </a:solidFill>
-                <a:latin typeface="Microsoft JhengHei" pitchFamily="34" charset="-120"/>
-                <a:ea typeface="Microsoft JhengHei" pitchFamily="34" charset="-120"/>
-              </a:rPr>
-              <a:t>心裡常</a:t>
-            </a:r>
-            <a:r>
-              <a:rPr lang="zh-TW" altLang="en-US" sz="4800" b="1" dirty="0">
-                <a:solidFill>
-                  <a:srgbClr val="0070C0"/>
-                </a:solidFill>
-                <a:latin typeface="Microsoft JhengHei" pitchFamily="34" charset="-120"/>
-                <a:ea typeface="Microsoft JhengHei" pitchFamily="34" charset="-120"/>
-              </a:rPr>
-              <a:t>吟</a:t>
-            </a:r>
-            <a:r>
-              <a:rPr lang="zh-TW" altLang="en-US" sz="4800" b="1" dirty="0">
-                <a:solidFill>
-                  <a:srgbClr val="0070C0"/>
-                </a:solidFill>
-                <a:latin typeface="Microsoft JhengHei" pitchFamily="34" charset="-120"/>
-                <a:ea typeface="Microsoft JhengHei" pitchFamily="34" charset="-120"/>
-              </a:rPr>
-              <a:t>讚美</a:t>
+              <a:t>主在我心裡且使我快樂</a:t>
             </a:r>
             <a:endParaRPr lang="en-US" altLang="zh-TW" sz="4800" b="1" dirty="0">
               <a:solidFill>
-                <a:srgbClr val="0070C0"/>
+                <a:srgbClr val="000066"/>
               </a:solidFill>
               <a:latin typeface="Microsoft JhengHei" pitchFamily="34" charset="-120"/>
               <a:ea typeface="Microsoft JhengHei" pitchFamily="34" charset="-120"/>
@@ -4558,7 +4456,274 @@
             <a:r>
               <a:rPr lang="zh-TW" altLang="en-US" sz="4800" b="1" dirty="0">
                 <a:solidFill>
-                  <a:srgbClr val="0070C0"/>
+                  <a:srgbClr val="000066"/>
+                </a:solidFill>
+                <a:latin typeface="Microsoft JhengHei" pitchFamily="34" charset="-120"/>
+                <a:ea typeface="Microsoft JhengHei" pitchFamily="34" charset="-120"/>
+              </a:rPr>
+              <a:t>今後要唱凱旋歌</a:t>
+            </a:r>
+            <a:endParaRPr lang="zh-TW" altLang="en-US" sz="4800" b="1" dirty="0">
+              <a:solidFill>
+                <a:srgbClr val="000066"/>
+              </a:solidFill>
+              <a:latin typeface="Microsoft JhengHei" pitchFamily="34" charset="-120"/>
+              <a:ea typeface="Microsoft JhengHei" pitchFamily="34" charset="-120"/>
+            </a:endParaRPr>
+          </a:p>
+        </p:txBody>
+      </p:sp>
+      <p:sp>
+        <p:nvSpPr>
+          <p:cNvPr id="3" name="TextBox 2"/>
+          <p:cNvSpPr txBox="1"/>
+          <p:nvPr/>
+        </p:nvSpPr>
+        <p:spPr>
+          <a:xfrm>
+            <a:off x="0" y="3795886"/>
+            <a:ext cx="9144000" cy="646331"/>
+          </a:xfrm>
+          <a:prstGeom prst="rect">
+            <a:avLst/>
+          </a:prstGeom>
+          <a:noFill/>
+        </p:spPr>
+        <p:txBody>
+          <a:bodyPr wrap="square" rtlCol="0">
+            <a:spAutoFit/>
+          </a:bodyPr>
+          <a:lstStyle/>
+          <a:p>
+            <a:pPr algn="ctr"/>
+            <a:r>
+              <a:rPr lang="en-US" sz="3600" b="1" dirty="0" smtClean="0">
+                <a:solidFill>
+                  <a:srgbClr val="000066"/>
+                </a:solidFill>
+              </a:rPr>
+              <a:t>( 2 )</a:t>
+            </a:r>
+            <a:endParaRPr lang="vi-VN" sz="3600" b="1" dirty="0">
+              <a:solidFill>
+                <a:srgbClr val="000066"/>
+              </a:solidFill>
+            </a:endParaRPr>
+          </a:p>
+        </p:txBody>
+      </p:sp>
+    </p:spTree>
+    <p:extLst>
+      <p:ext uri="{BB962C8B-B14F-4D97-AF65-F5344CB8AC3E}">
+        <p14:creationId xmlns:p14="http://schemas.microsoft.com/office/powerpoint/2010/main" val="2171582673"/>
+      </p:ext>
+    </p:extLst>
+  </p:cSld>
+  <p:clrMapOvr>
+    <a:masterClrMapping/>
+  </p:clrMapOvr>
+  <p:timing>
+    <p:tnLst>
+      <p:par>
+        <p:cTn id="1" dur="indefinite" restart="never" nodeType="tmRoot"/>
+      </p:par>
+    </p:tnLst>
+  </p:timing>
+</p:sld>
+</file>
+
+<file path=ppt/slides/slide8.xml><?xml version="1.0" encoding="utf-8"?>
+<p:sld xmlns:a="http://schemas.openxmlformats.org/drawingml/2006/main" xmlns:r="http://schemas.openxmlformats.org/officeDocument/2006/relationships" xmlns:p="http://schemas.openxmlformats.org/presentationml/2006/main">
+  <p:cSld>
+    <p:spTree>
+      <p:nvGrpSpPr>
+        <p:cNvPr id="1" name=""/>
+        <p:cNvGrpSpPr/>
+        <p:nvPr/>
+      </p:nvGrpSpPr>
+      <p:grpSpPr>
+        <a:xfrm>
+          <a:off x="0" y="0"/>
+          <a:ext cx="0" cy="0"/>
+          <a:chOff x="0" y="0"/>
+          <a:chExt cx="0" cy="0"/>
+        </a:xfrm>
+      </p:grpSpPr>
+      <p:sp>
+        <p:nvSpPr>
+          <p:cNvPr id="5" name="內容版面配置區 4"/>
+          <p:cNvSpPr>
+            <a:spLocks noGrp="1"/>
+          </p:cNvSpPr>
+          <p:nvPr>
+            <p:ph idx="1"/>
+          </p:nvPr>
+        </p:nvSpPr>
+        <p:spPr>
+          <a:xfrm>
+            <a:off x="0" y="1563638"/>
+            <a:ext cx="9144000" cy="1803647"/>
+          </a:xfrm>
+        </p:spPr>
+        <p:txBody>
+          <a:bodyPr anchor="ctr">
+            <a:normAutofit/>
+          </a:bodyPr>
+          <a:lstStyle/>
+          <a:p>
+            <a:pPr algn="ctr">
+              <a:buNone/>
+            </a:pPr>
+            <a:r>
+              <a:rPr lang="zh-TW" altLang="en-US" sz="4800" b="1" dirty="0">
+                <a:solidFill>
+                  <a:srgbClr val="000066"/>
+                </a:solidFill>
+                <a:latin typeface="Microsoft JhengHei" pitchFamily="34" charset="-120"/>
+                <a:ea typeface="Microsoft JhengHei" pitchFamily="34" charset="-120"/>
+              </a:rPr>
+              <a:t>在我心裡常吟讚美</a:t>
+            </a:r>
+            <a:endParaRPr lang="en-US" altLang="zh-TW" sz="4800" b="1" dirty="0">
+              <a:solidFill>
+                <a:srgbClr val="000066"/>
+              </a:solidFill>
+              <a:latin typeface="Microsoft JhengHei" pitchFamily="34" charset="-120"/>
+              <a:ea typeface="Microsoft JhengHei" pitchFamily="34" charset="-120"/>
+            </a:endParaRPr>
+          </a:p>
+          <a:p>
+            <a:pPr algn="ctr">
+              <a:buNone/>
+            </a:pPr>
+            <a:r>
+              <a:rPr lang="zh-TW" altLang="en-US" sz="4800" b="1" dirty="0">
+                <a:solidFill>
+                  <a:srgbClr val="000066"/>
+                </a:solidFill>
+                <a:latin typeface="Microsoft JhengHei" pitchFamily="34" charset="-120"/>
+                <a:ea typeface="Microsoft JhengHei" pitchFamily="34" charset="-120"/>
+              </a:rPr>
+              <a:t>歌時常吟奇妙</a:t>
+            </a:r>
+            <a:r>
+              <a:rPr lang="zh-TW" altLang="en-US" sz="4800" b="1" dirty="0" smtClean="0">
+                <a:solidFill>
+                  <a:srgbClr val="000066"/>
+                </a:solidFill>
+                <a:latin typeface="Microsoft JhengHei" pitchFamily="34" charset="-120"/>
+                <a:ea typeface="Microsoft JhengHei" pitchFamily="34" charset="-120"/>
+              </a:rPr>
+              <a:t>歌  像</a:t>
+            </a:r>
+            <a:r>
+              <a:rPr lang="zh-TW" altLang="en-US" sz="4800" b="1" dirty="0">
+                <a:solidFill>
+                  <a:srgbClr val="000066"/>
+                </a:solidFill>
+                <a:latin typeface="Microsoft JhengHei" pitchFamily="34" charset="-120"/>
+                <a:ea typeface="Microsoft JhengHei" pitchFamily="34" charset="-120"/>
+              </a:rPr>
+              <a:t>天使同唱和</a:t>
+            </a:r>
+            <a:endParaRPr lang="zh-TW" altLang="en-US" sz="4800" b="1" dirty="0">
+              <a:solidFill>
+                <a:srgbClr val="000066"/>
+              </a:solidFill>
+              <a:latin typeface="Microsoft JhengHei" pitchFamily="34" charset="-120"/>
+              <a:ea typeface="Microsoft JhengHei" pitchFamily="34" charset="-120"/>
+            </a:endParaRPr>
+          </a:p>
+        </p:txBody>
+      </p:sp>
+    </p:spTree>
+    <p:extLst>
+      <p:ext uri="{BB962C8B-B14F-4D97-AF65-F5344CB8AC3E}">
+        <p14:creationId xmlns:p14="http://schemas.microsoft.com/office/powerpoint/2010/main" val="3056226154"/>
+      </p:ext>
+    </p:extLst>
+  </p:cSld>
+  <p:clrMapOvr>
+    <a:masterClrMapping/>
+  </p:clrMapOvr>
+  <p:timing>
+    <p:tnLst>
+      <p:par>
+        <p:cTn id="1" dur="indefinite" restart="never" nodeType="tmRoot"/>
+      </p:par>
+    </p:tnLst>
+  </p:timing>
+</p:sld>
+</file>
+
+<file path=ppt/slides/slide9.xml><?xml version="1.0" encoding="utf-8"?>
+<p:sld xmlns:a="http://schemas.openxmlformats.org/drawingml/2006/main" xmlns:r="http://schemas.openxmlformats.org/officeDocument/2006/relationships" xmlns:p="http://schemas.openxmlformats.org/presentationml/2006/main">
+  <p:cSld>
+    <p:spTree>
+      <p:nvGrpSpPr>
+        <p:cNvPr id="1" name=""/>
+        <p:cNvGrpSpPr/>
+        <p:nvPr/>
+      </p:nvGrpSpPr>
+      <p:grpSpPr>
+        <a:xfrm>
+          <a:off x="0" y="0"/>
+          <a:ext cx="0" cy="0"/>
+          <a:chOff x="0" y="0"/>
+          <a:chExt cx="0" cy="0"/>
+        </a:xfrm>
+      </p:grpSpPr>
+      <p:sp>
+        <p:nvSpPr>
+          <p:cNvPr id="5" name="內容版面配置區 4"/>
+          <p:cNvSpPr>
+            <a:spLocks noGrp="1"/>
+          </p:cNvSpPr>
+          <p:nvPr>
+            <p:ph idx="1"/>
+          </p:nvPr>
+        </p:nvSpPr>
+        <p:spPr>
+          <a:xfrm>
+            <a:off x="0" y="1563638"/>
+            <a:ext cx="9144000" cy="1803647"/>
+          </a:xfrm>
+        </p:spPr>
+        <p:txBody>
+          <a:bodyPr anchor="ctr">
+            <a:normAutofit/>
+          </a:bodyPr>
+          <a:lstStyle/>
+          <a:p>
+            <a:pPr algn="ctr">
+              <a:buNone/>
+            </a:pPr>
+            <a:r>
+              <a:rPr lang="zh-TW" altLang="en-US" sz="4800" b="1" dirty="0">
+                <a:solidFill>
+                  <a:srgbClr val="000066"/>
+                </a:solidFill>
+                <a:latin typeface="Microsoft JhengHei" pitchFamily="34" charset="-120"/>
+                <a:ea typeface="Microsoft JhengHei" pitchFamily="34" charset="-120"/>
+              </a:rPr>
+              <a:t>在我心裡常吟讚美</a:t>
+            </a:r>
+            <a:endParaRPr lang="en-US" altLang="zh-TW" sz="4800" b="1" dirty="0">
+              <a:solidFill>
+                <a:srgbClr val="000066"/>
+              </a:solidFill>
+              <a:latin typeface="Microsoft JhengHei" pitchFamily="34" charset="-120"/>
+              <a:ea typeface="Microsoft JhengHei" pitchFamily="34" charset="-120"/>
+            </a:endParaRPr>
+          </a:p>
+          <a:p>
+            <a:pPr algn="ctr">
+              <a:buNone/>
+            </a:pPr>
+            <a:r>
+              <a:rPr lang="zh-TW" altLang="en-US" sz="4800" b="1" dirty="0">
+                <a:solidFill>
+                  <a:srgbClr val="000066"/>
                 </a:solidFill>
                 <a:latin typeface="Microsoft JhengHei" pitchFamily="34" charset="-120"/>
                 <a:ea typeface="Microsoft JhengHei" pitchFamily="34" charset="-120"/>
@@ -4567,7 +4732,7 @@
             </a:r>
             <a:endParaRPr lang="zh-TW" altLang="en-US" sz="4800" b="1" dirty="0">
               <a:solidFill>
-                <a:srgbClr val="0070C0"/>
+                <a:srgbClr val="000066"/>
               </a:solidFill>
               <a:latin typeface="Microsoft JhengHei" pitchFamily="34" charset="-120"/>
               <a:ea typeface="Microsoft JhengHei" pitchFamily="34" charset="-120"/>
@@ -4576,10 +4741,22 @@
         </p:txBody>
       </p:sp>
     </p:spTree>
+    <p:extLst>
+      <p:ext uri="{BB962C8B-B14F-4D97-AF65-F5344CB8AC3E}">
+        <p14:creationId xmlns:p14="http://schemas.microsoft.com/office/powerpoint/2010/main" val="1264471"/>
+      </p:ext>
+    </p:extLst>
   </p:cSld>
   <p:clrMapOvr>
     <a:masterClrMapping/>
   </p:clrMapOvr>
+  <p:timing>
+    <p:tnLst>
+      <p:par>
+        <p:cTn id="1" dur="indefinite" restart="never" nodeType="tmRoot"/>
+      </p:par>
+    </p:tnLst>
+  </p:timing>
 </p:sld>
 </file>
 

--- a/宣道詩/(宣道詩113)在我心裡常吟讚美歌.pptx
+++ b/宣道詩/(宣道詩113)在我心裡常吟讚美歌.pptx
@@ -12,12 +12,12 @@
     <p:sldId id="266" r:id="rId6"/>
     <p:sldId id="267" r:id="rId7"/>
     <p:sldId id="268" r:id="rId8"/>
-    <p:sldId id="269" r:id="rId9"/>
-    <p:sldId id="270" r:id="rId10"/>
+    <p:sldId id="275" r:id="rId9"/>
+    <p:sldId id="276" r:id="rId10"/>
     <p:sldId id="271" r:id="rId11"/>
     <p:sldId id="272" r:id="rId12"/>
-    <p:sldId id="273" r:id="rId13"/>
-    <p:sldId id="274" r:id="rId14"/>
+    <p:sldId id="277" r:id="rId13"/>
+    <p:sldId id="278" r:id="rId14"/>
   </p:sldIdLst>
   <p:sldSz cx="9144000" cy="5143500" type="screen16x9"/>
   <p:notesSz cx="6858000" cy="9144000"/>
@@ -316,7 +316,7 @@
           <a:p>
             <a:fld id="{A2B5D7EE-74BC-4BDC-AE2A-3936D1310525}" type="datetimeFigureOut">
               <a:rPr lang="zh-TW" altLang="en-US" smtClean="0"/>
-              <a:t>2021/5/8</a:t>
+              <a:t>2021/11/30</a:t>
             </a:fld>
             <a:endParaRPr lang="zh-TW" altLang="en-US"/>
           </a:p>
@@ -481,7 +481,7 @@
           <a:p>
             <a:fld id="{A2B5D7EE-74BC-4BDC-AE2A-3936D1310525}" type="datetimeFigureOut">
               <a:rPr lang="zh-TW" altLang="en-US" smtClean="0"/>
-              <a:t>2021/5/8</a:t>
+              <a:t>2021/11/30</a:t>
             </a:fld>
             <a:endParaRPr lang="zh-TW" altLang="en-US"/>
           </a:p>
@@ -656,7 +656,7 @@
           <a:p>
             <a:fld id="{A2B5D7EE-74BC-4BDC-AE2A-3936D1310525}" type="datetimeFigureOut">
               <a:rPr lang="zh-TW" altLang="en-US" smtClean="0"/>
-              <a:t>2021/5/8</a:t>
+              <a:t>2021/11/30</a:t>
             </a:fld>
             <a:endParaRPr lang="zh-TW" altLang="en-US"/>
           </a:p>
@@ -821,7 +821,7 @@
           <a:p>
             <a:fld id="{A2B5D7EE-74BC-4BDC-AE2A-3936D1310525}" type="datetimeFigureOut">
               <a:rPr lang="zh-TW" altLang="en-US" smtClean="0"/>
-              <a:t>2021/5/8</a:t>
+              <a:t>2021/11/30</a:t>
             </a:fld>
             <a:endParaRPr lang="zh-TW" altLang="en-US"/>
           </a:p>
@@ -1062,7 +1062,7 @@
           <a:p>
             <a:fld id="{A2B5D7EE-74BC-4BDC-AE2A-3936D1310525}" type="datetimeFigureOut">
               <a:rPr lang="zh-TW" altLang="en-US" smtClean="0"/>
-              <a:t>2021/5/8</a:t>
+              <a:t>2021/11/30</a:t>
             </a:fld>
             <a:endParaRPr lang="zh-TW" altLang="en-US"/>
           </a:p>
@@ -1345,7 +1345,7 @@
           <a:p>
             <a:fld id="{A2B5D7EE-74BC-4BDC-AE2A-3936D1310525}" type="datetimeFigureOut">
               <a:rPr lang="zh-TW" altLang="en-US" smtClean="0"/>
-              <a:t>2021/5/8</a:t>
+              <a:t>2021/11/30</a:t>
             </a:fld>
             <a:endParaRPr lang="zh-TW" altLang="en-US"/>
           </a:p>
@@ -1762,7 +1762,7 @@
           <a:p>
             <a:fld id="{A2B5D7EE-74BC-4BDC-AE2A-3936D1310525}" type="datetimeFigureOut">
               <a:rPr lang="zh-TW" altLang="en-US" smtClean="0"/>
-              <a:t>2021/5/8</a:t>
+              <a:t>2021/11/30</a:t>
             </a:fld>
             <a:endParaRPr lang="zh-TW" altLang="en-US"/>
           </a:p>
@@ -1875,7 +1875,7 @@
           <a:p>
             <a:fld id="{A2B5D7EE-74BC-4BDC-AE2A-3936D1310525}" type="datetimeFigureOut">
               <a:rPr lang="zh-TW" altLang="en-US" smtClean="0"/>
-              <a:t>2021/5/8</a:t>
+              <a:t>2021/11/30</a:t>
             </a:fld>
             <a:endParaRPr lang="zh-TW" altLang="en-US"/>
           </a:p>
@@ -1965,7 +1965,7 @@
           <a:p>
             <a:fld id="{A2B5D7EE-74BC-4BDC-AE2A-3936D1310525}" type="datetimeFigureOut">
               <a:rPr lang="zh-TW" altLang="en-US" smtClean="0"/>
-              <a:t>2021/5/8</a:t>
+              <a:t>2021/11/30</a:t>
             </a:fld>
             <a:endParaRPr lang="zh-TW" altLang="en-US"/>
           </a:p>
@@ -2237,7 +2237,7 @@
           <a:p>
             <a:fld id="{A2B5D7EE-74BC-4BDC-AE2A-3936D1310525}" type="datetimeFigureOut">
               <a:rPr lang="zh-TW" altLang="en-US" smtClean="0"/>
-              <a:t>2021/5/8</a:t>
+              <a:t>2021/11/30</a:t>
             </a:fld>
             <a:endParaRPr lang="zh-TW" altLang="en-US"/>
           </a:p>
@@ -2489,7 +2489,7 @@
           <a:p>
             <a:fld id="{A2B5D7EE-74BC-4BDC-AE2A-3936D1310525}" type="datetimeFigureOut">
               <a:rPr lang="zh-TW" altLang="en-US" smtClean="0"/>
-              <a:t>2021/5/8</a:t>
+              <a:t>2021/11/30</a:t>
             </a:fld>
             <a:endParaRPr lang="zh-TW" altLang="en-US"/>
           </a:p>
@@ -2702,7 +2702,7 @@
           <a:p>
             <a:fld id="{A2B5D7EE-74BC-4BDC-AE2A-3936D1310525}" type="datetimeFigureOut">
               <a:rPr lang="zh-TW" altLang="en-US" smtClean="0"/>
-              <a:t>2021/5/8</a:t>
+              <a:t>2021/11/30</a:t>
             </a:fld>
             <a:endParaRPr lang="zh-TW" altLang="en-US"/>
           </a:p>
@@ -3435,13 +3435,6 @@
               </a:rPr>
               <a:t>同在寶座前唱歌</a:t>
             </a:r>
-            <a:endParaRPr lang="zh-TW" altLang="en-US" sz="4800" b="1" dirty="0">
-              <a:solidFill>
-                <a:srgbClr val="000066"/>
-              </a:solidFill>
-              <a:latin typeface="Microsoft JhengHei" pitchFamily="34" charset="-120"/>
-              <a:ea typeface="Microsoft JhengHei" pitchFamily="34" charset="-120"/>
-            </a:endParaRPr>
           </a:p>
         </p:txBody>
       </p:sp>
@@ -3554,7 +3547,17 @@
                 <a:latin typeface="Microsoft JhengHei" pitchFamily="34" charset="-120"/>
                 <a:ea typeface="Microsoft JhengHei" pitchFamily="34" charset="-120"/>
               </a:rPr>
-              <a:t>在我心裡常吟讚美</a:t>
+              <a:t>在我心裡常吟讚</a:t>
+            </a:r>
+            <a:r>
+              <a:rPr lang="zh-TW" altLang="en-US" sz="4800" b="1" dirty="0">
+                <a:solidFill>
+                  <a:srgbClr val="000066"/>
+                </a:solidFill>
+                <a:latin typeface="Microsoft JhengHei" pitchFamily="34" charset="-120"/>
+                <a:ea typeface="Microsoft JhengHei" pitchFamily="34" charset="-120"/>
+              </a:rPr>
+              <a:t>美歌時</a:t>
             </a:r>
             <a:endParaRPr lang="en-US" altLang="zh-TW" sz="4800" b="1" dirty="0">
               <a:solidFill>
@@ -3569,49 +3572,62 @@
               <a:buNone/>
             </a:pPr>
             <a:r>
-              <a:rPr lang="zh-TW" altLang="en-US" sz="4800" b="1" dirty="0">
+              <a:rPr lang="zh-TW" altLang="en-US" sz="4800" b="1" dirty="0" smtClean="0">
                 <a:solidFill>
                   <a:srgbClr val="000066"/>
                 </a:solidFill>
                 <a:latin typeface="Microsoft JhengHei" pitchFamily="34" charset="-120"/>
                 <a:ea typeface="Microsoft JhengHei" pitchFamily="34" charset="-120"/>
               </a:rPr>
-              <a:t>歌時常吟奇妙</a:t>
-            </a:r>
-            <a:r>
-              <a:rPr lang="zh-TW" altLang="en-US" sz="4800" b="1" dirty="0" smtClean="0">
+              <a:t>常</a:t>
+            </a:r>
+            <a:r>
+              <a:rPr lang="zh-TW" altLang="en-US" sz="4800" b="1" dirty="0">
                 <a:solidFill>
                   <a:srgbClr val="000066"/>
                 </a:solidFill>
                 <a:latin typeface="Microsoft JhengHei" pitchFamily="34" charset="-120"/>
                 <a:ea typeface="Microsoft JhengHei" pitchFamily="34" charset="-120"/>
               </a:rPr>
-              <a:t>歌  像</a:t>
-            </a:r>
-            <a:r>
-              <a:rPr lang="zh-TW" altLang="en-US" sz="4800" b="1" dirty="0">
+              <a:t>吟奇妙</a:t>
+            </a:r>
+            <a:r>
+              <a:rPr lang="zh-TW" altLang="en-US" sz="4800" b="1" dirty="0" smtClean="0">
                 <a:solidFill>
                   <a:srgbClr val="000066"/>
                 </a:solidFill>
                 <a:latin typeface="Microsoft JhengHei" pitchFamily="34" charset="-120"/>
                 <a:ea typeface="Microsoft JhengHei" pitchFamily="34" charset="-120"/>
               </a:rPr>
+              <a:t>歌  </a:t>
+            </a:r>
+            <a:r>
+              <a:rPr lang="zh-TW" altLang="en-US" sz="4800" b="1" dirty="0" smtClean="0">
+                <a:solidFill>
+                  <a:srgbClr val="000066"/>
+                </a:solidFill>
+                <a:latin typeface="Microsoft JhengHei" pitchFamily="34" charset="-120"/>
+                <a:ea typeface="Microsoft JhengHei" pitchFamily="34" charset="-120"/>
+              </a:rPr>
+              <a:t> 像</a:t>
+            </a:r>
+            <a:r>
+              <a:rPr lang="zh-TW" altLang="en-US" sz="4800" b="1" dirty="0">
+                <a:solidFill>
+                  <a:srgbClr val="000066"/>
+                </a:solidFill>
+                <a:latin typeface="Microsoft JhengHei" pitchFamily="34" charset="-120"/>
+                <a:ea typeface="Microsoft JhengHei" pitchFamily="34" charset="-120"/>
+              </a:rPr>
               <a:t>天使同唱和</a:t>
             </a:r>
-            <a:endParaRPr lang="zh-TW" altLang="en-US" sz="4800" b="1" dirty="0">
-              <a:solidFill>
-                <a:srgbClr val="000066"/>
-              </a:solidFill>
-              <a:latin typeface="Microsoft JhengHei" pitchFamily="34" charset="-120"/>
-              <a:ea typeface="Microsoft JhengHei" pitchFamily="34" charset="-120"/>
-            </a:endParaRPr>
           </a:p>
         </p:txBody>
       </p:sp>
     </p:spTree>
     <p:extLst>
       <p:ext uri="{BB962C8B-B14F-4D97-AF65-F5344CB8AC3E}">
-        <p14:creationId xmlns:p14="http://schemas.microsoft.com/office/powerpoint/2010/main" val="439412450"/>
+        <p14:creationId xmlns:p14="http://schemas.microsoft.com/office/powerpoint/2010/main" val="1758278752"/>
       </p:ext>
     </p:extLst>
   </p:cSld>
@@ -3678,7 +3694,17 @@
                 <a:latin typeface="Microsoft JhengHei" pitchFamily="34" charset="-120"/>
                 <a:ea typeface="Microsoft JhengHei" pitchFamily="34" charset="-120"/>
               </a:rPr>
-              <a:t>在我心裡常吟讚美</a:t>
+              <a:t>在我心裡常吟讚</a:t>
+            </a:r>
+            <a:r>
+              <a:rPr lang="zh-TW" altLang="en-US" sz="4800" b="1" dirty="0">
+                <a:solidFill>
+                  <a:srgbClr val="000066"/>
+                </a:solidFill>
+                <a:latin typeface="Microsoft JhengHei" pitchFamily="34" charset="-120"/>
+                <a:ea typeface="Microsoft JhengHei" pitchFamily="34" charset="-120"/>
+              </a:rPr>
+              <a:t>美歌時</a:t>
             </a:r>
             <a:endParaRPr lang="en-US" altLang="zh-TW" sz="4800" b="1" dirty="0">
               <a:solidFill>
@@ -3693,29 +3719,32 @@
               <a:buNone/>
             </a:pPr>
             <a:r>
-              <a:rPr lang="zh-TW" altLang="en-US" sz="4800" b="1" dirty="0">
+              <a:rPr lang="zh-TW" altLang="en-US" sz="4800" b="1" dirty="0" smtClean="0">
                 <a:solidFill>
                   <a:srgbClr val="000066"/>
                 </a:solidFill>
                 <a:latin typeface="Microsoft JhengHei" pitchFamily="34" charset="-120"/>
                 <a:ea typeface="Microsoft JhengHei" pitchFamily="34" charset="-120"/>
               </a:rPr>
-              <a:t>歌時常吟奇妙恩愛歌</a:t>
-            </a:r>
-            <a:endParaRPr lang="zh-TW" altLang="en-US" sz="4800" b="1" dirty="0">
-              <a:solidFill>
-                <a:srgbClr val="000066"/>
-              </a:solidFill>
-              <a:latin typeface="Microsoft JhengHei" pitchFamily="34" charset="-120"/>
-              <a:ea typeface="Microsoft JhengHei" pitchFamily="34" charset="-120"/>
-            </a:endParaRPr>
+              <a:t>常</a:t>
+            </a:r>
+            <a:r>
+              <a:rPr lang="zh-TW" altLang="en-US" sz="4800" b="1" dirty="0">
+                <a:solidFill>
+                  <a:srgbClr val="000066"/>
+                </a:solidFill>
+                <a:latin typeface="Microsoft JhengHei" pitchFamily="34" charset="-120"/>
+                <a:ea typeface="Microsoft JhengHei" pitchFamily="34" charset="-120"/>
+              </a:rPr>
+              <a:t>吟奇妙恩愛歌</a:t>
+            </a:r>
           </a:p>
         </p:txBody>
       </p:sp>
     </p:spTree>
     <p:extLst>
       <p:ext uri="{BB962C8B-B14F-4D97-AF65-F5344CB8AC3E}">
-        <p14:creationId xmlns:p14="http://schemas.microsoft.com/office/powerpoint/2010/main" val="1086751239"/>
+        <p14:creationId xmlns:p14="http://schemas.microsoft.com/office/powerpoint/2010/main" val="2234985969"/>
       </p:ext>
     </p:extLst>
   </p:cSld>
@@ -3949,13 +3978,6 @@
               </a:rPr>
               <a:t>真是奇妙恩愛歌</a:t>
             </a:r>
-            <a:endParaRPr lang="zh-TW" altLang="en-US" sz="4800" b="1" dirty="0">
-              <a:solidFill>
-                <a:srgbClr val="000066"/>
-              </a:solidFill>
-              <a:latin typeface="Microsoft JhengHei" pitchFamily="34" charset="-120"/>
-              <a:ea typeface="Microsoft JhengHei" pitchFamily="34" charset="-120"/>
-            </a:endParaRPr>
           </a:p>
         </p:txBody>
       </p:sp>
@@ -4068,7 +4090,17 @@
                 <a:latin typeface="Microsoft JhengHei" pitchFamily="34" charset="-120"/>
                 <a:ea typeface="Microsoft JhengHei" pitchFamily="34" charset="-120"/>
               </a:rPr>
-              <a:t>在我心裡常吟讚美</a:t>
+              <a:t>在我心裡常吟讚</a:t>
+            </a:r>
+            <a:r>
+              <a:rPr lang="zh-TW" altLang="en-US" sz="4800" b="1" dirty="0">
+                <a:solidFill>
+                  <a:srgbClr val="000066"/>
+                </a:solidFill>
+                <a:latin typeface="Microsoft JhengHei" pitchFamily="34" charset="-120"/>
+                <a:ea typeface="Microsoft JhengHei" pitchFamily="34" charset="-120"/>
+              </a:rPr>
+              <a:t>美歌時</a:t>
             </a:r>
             <a:endParaRPr lang="en-US" altLang="zh-TW" sz="4800" b="1" dirty="0">
               <a:solidFill>
@@ -4083,42 +4115,55 @@
               <a:buNone/>
             </a:pPr>
             <a:r>
-              <a:rPr lang="zh-TW" altLang="en-US" sz="4800" b="1" dirty="0">
+              <a:rPr lang="zh-TW" altLang="en-US" sz="4800" b="1" dirty="0" smtClean="0">
                 <a:solidFill>
                   <a:srgbClr val="000066"/>
                 </a:solidFill>
                 <a:latin typeface="Microsoft JhengHei" pitchFamily="34" charset="-120"/>
                 <a:ea typeface="Microsoft JhengHei" pitchFamily="34" charset="-120"/>
               </a:rPr>
-              <a:t>歌時常吟奇妙</a:t>
-            </a:r>
-            <a:r>
-              <a:rPr lang="zh-TW" altLang="en-US" sz="4800" b="1" dirty="0" smtClean="0">
+              <a:t>常</a:t>
+            </a:r>
+            <a:r>
+              <a:rPr lang="zh-TW" altLang="en-US" sz="4800" b="1" dirty="0">
                 <a:solidFill>
                   <a:srgbClr val="000066"/>
                 </a:solidFill>
                 <a:latin typeface="Microsoft JhengHei" pitchFamily="34" charset="-120"/>
                 <a:ea typeface="Microsoft JhengHei" pitchFamily="34" charset="-120"/>
               </a:rPr>
-              <a:t>歌  像</a:t>
-            </a:r>
-            <a:r>
-              <a:rPr lang="zh-TW" altLang="en-US" sz="4800" b="1" dirty="0">
+              <a:t>吟奇妙</a:t>
+            </a:r>
+            <a:r>
+              <a:rPr lang="zh-TW" altLang="en-US" sz="4800" b="1" dirty="0" smtClean="0">
                 <a:solidFill>
                   <a:srgbClr val="000066"/>
                 </a:solidFill>
                 <a:latin typeface="Microsoft JhengHei" pitchFamily="34" charset="-120"/>
                 <a:ea typeface="Microsoft JhengHei" pitchFamily="34" charset="-120"/>
               </a:rPr>
+              <a:t>歌  </a:t>
+            </a:r>
+            <a:r>
+              <a:rPr lang="zh-TW" altLang="en-US" sz="4800" b="1" dirty="0" smtClean="0">
+                <a:solidFill>
+                  <a:srgbClr val="000066"/>
+                </a:solidFill>
+                <a:latin typeface="Microsoft JhengHei" pitchFamily="34" charset="-120"/>
+                <a:ea typeface="Microsoft JhengHei" pitchFamily="34" charset="-120"/>
+              </a:rPr>
+              <a:t> 像</a:t>
+            </a:r>
+            <a:r>
+              <a:rPr lang="zh-TW" altLang="en-US" sz="4800" b="1" dirty="0">
+                <a:solidFill>
+                  <a:srgbClr val="000066"/>
+                </a:solidFill>
+                <a:latin typeface="Microsoft JhengHei" pitchFamily="34" charset="-120"/>
+                <a:ea typeface="Microsoft JhengHei" pitchFamily="34" charset="-120"/>
+              </a:rPr>
               <a:t>天使同唱和</a:t>
             </a:r>
-            <a:endParaRPr lang="zh-TW" altLang="en-US" sz="4800" b="1" dirty="0">
-              <a:solidFill>
-                <a:srgbClr val="000066"/>
-              </a:solidFill>
-              <a:latin typeface="Microsoft JhengHei" pitchFamily="34" charset="-120"/>
-              <a:ea typeface="Microsoft JhengHei" pitchFamily="34" charset="-120"/>
-            </a:endParaRPr>
           </a:p>
         </p:txBody>
       </p:sp>
@@ -4192,7 +4237,17 @@
                 <a:latin typeface="Microsoft JhengHei" pitchFamily="34" charset="-120"/>
                 <a:ea typeface="Microsoft JhengHei" pitchFamily="34" charset="-120"/>
               </a:rPr>
-              <a:t>在我心裡常吟讚美</a:t>
+              <a:t>在我心裡常吟讚</a:t>
+            </a:r>
+            <a:r>
+              <a:rPr lang="zh-TW" altLang="en-US" sz="4800" b="1" dirty="0">
+                <a:solidFill>
+                  <a:srgbClr val="000066"/>
+                </a:solidFill>
+                <a:latin typeface="Microsoft JhengHei" pitchFamily="34" charset="-120"/>
+                <a:ea typeface="Microsoft JhengHei" pitchFamily="34" charset="-120"/>
+              </a:rPr>
+              <a:t>美歌時</a:t>
             </a:r>
             <a:endParaRPr lang="en-US" altLang="zh-TW" sz="4800" b="1" dirty="0">
               <a:solidFill>
@@ -4207,22 +4262,25 @@
               <a:buNone/>
             </a:pPr>
             <a:r>
-              <a:rPr lang="zh-TW" altLang="en-US" sz="4800" b="1" dirty="0">
+              <a:rPr lang="zh-TW" altLang="en-US" sz="4800" b="1" dirty="0" smtClean="0">
                 <a:solidFill>
                   <a:srgbClr val="000066"/>
                 </a:solidFill>
                 <a:latin typeface="Microsoft JhengHei" pitchFamily="34" charset="-120"/>
                 <a:ea typeface="Microsoft JhengHei" pitchFamily="34" charset="-120"/>
               </a:rPr>
-              <a:t>歌時常吟奇妙恩愛歌</a:t>
-            </a:r>
-            <a:endParaRPr lang="zh-TW" altLang="en-US" sz="4800" b="1" dirty="0">
-              <a:solidFill>
-                <a:srgbClr val="000066"/>
-              </a:solidFill>
-              <a:latin typeface="Microsoft JhengHei" pitchFamily="34" charset="-120"/>
-              <a:ea typeface="Microsoft JhengHei" pitchFamily="34" charset="-120"/>
-            </a:endParaRPr>
+              <a:t>常</a:t>
+            </a:r>
+            <a:r>
+              <a:rPr lang="zh-TW" altLang="en-US" sz="4800" b="1" dirty="0">
+                <a:solidFill>
+                  <a:srgbClr val="000066"/>
+                </a:solidFill>
+                <a:latin typeface="Microsoft JhengHei" pitchFamily="34" charset="-120"/>
+                <a:ea typeface="Microsoft JhengHei" pitchFamily="34" charset="-120"/>
+              </a:rPr>
+              <a:t>吟奇妙恩愛歌</a:t>
+            </a:r>
           </a:p>
         </p:txBody>
       </p:sp>
@@ -4463,13 +4521,6 @@
               </a:rPr>
               <a:t>今後要唱凱旋歌</a:t>
             </a:r>
-            <a:endParaRPr lang="zh-TW" altLang="en-US" sz="4800" b="1" dirty="0">
-              <a:solidFill>
-                <a:srgbClr val="000066"/>
-              </a:solidFill>
-              <a:latin typeface="Microsoft JhengHei" pitchFamily="34" charset="-120"/>
-              <a:ea typeface="Microsoft JhengHei" pitchFamily="34" charset="-120"/>
-            </a:endParaRPr>
           </a:p>
         </p:txBody>
       </p:sp>
@@ -4582,7 +4633,17 @@
                 <a:latin typeface="Microsoft JhengHei" pitchFamily="34" charset="-120"/>
                 <a:ea typeface="Microsoft JhengHei" pitchFamily="34" charset="-120"/>
               </a:rPr>
-              <a:t>在我心裡常吟讚美</a:t>
+              <a:t>在我心裡常吟讚</a:t>
+            </a:r>
+            <a:r>
+              <a:rPr lang="zh-TW" altLang="en-US" sz="4800" b="1" dirty="0">
+                <a:solidFill>
+                  <a:srgbClr val="000066"/>
+                </a:solidFill>
+                <a:latin typeface="Microsoft JhengHei" pitchFamily="34" charset="-120"/>
+                <a:ea typeface="Microsoft JhengHei" pitchFamily="34" charset="-120"/>
+              </a:rPr>
+              <a:t>美歌時</a:t>
             </a:r>
             <a:endParaRPr lang="en-US" altLang="zh-TW" sz="4800" b="1" dirty="0">
               <a:solidFill>
@@ -4597,49 +4658,62 @@
               <a:buNone/>
             </a:pPr>
             <a:r>
-              <a:rPr lang="zh-TW" altLang="en-US" sz="4800" b="1" dirty="0">
+              <a:rPr lang="zh-TW" altLang="en-US" sz="4800" b="1" dirty="0" smtClean="0">
                 <a:solidFill>
                   <a:srgbClr val="000066"/>
                 </a:solidFill>
                 <a:latin typeface="Microsoft JhengHei" pitchFamily="34" charset="-120"/>
                 <a:ea typeface="Microsoft JhengHei" pitchFamily="34" charset="-120"/>
               </a:rPr>
-              <a:t>歌時常吟奇妙</a:t>
-            </a:r>
-            <a:r>
-              <a:rPr lang="zh-TW" altLang="en-US" sz="4800" b="1" dirty="0" smtClean="0">
+              <a:t>常</a:t>
+            </a:r>
+            <a:r>
+              <a:rPr lang="zh-TW" altLang="en-US" sz="4800" b="1" dirty="0">
                 <a:solidFill>
                   <a:srgbClr val="000066"/>
                 </a:solidFill>
                 <a:latin typeface="Microsoft JhengHei" pitchFamily="34" charset="-120"/>
                 <a:ea typeface="Microsoft JhengHei" pitchFamily="34" charset="-120"/>
               </a:rPr>
-              <a:t>歌  像</a:t>
-            </a:r>
-            <a:r>
-              <a:rPr lang="zh-TW" altLang="en-US" sz="4800" b="1" dirty="0">
+              <a:t>吟奇妙</a:t>
+            </a:r>
+            <a:r>
+              <a:rPr lang="zh-TW" altLang="en-US" sz="4800" b="1" dirty="0" smtClean="0">
                 <a:solidFill>
                   <a:srgbClr val="000066"/>
                 </a:solidFill>
                 <a:latin typeface="Microsoft JhengHei" pitchFamily="34" charset="-120"/>
                 <a:ea typeface="Microsoft JhengHei" pitchFamily="34" charset="-120"/>
               </a:rPr>
+              <a:t>歌  </a:t>
+            </a:r>
+            <a:r>
+              <a:rPr lang="zh-TW" altLang="en-US" sz="4800" b="1" dirty="0" smtClean="0">
+                <a:solidFill>
+                  <a:srgbClr val="000066"/>
+                </a:solidFill>
+                <a:latin typeface="Microsoft JhengHei" pitchFamily="34" charset="-120"/>
+                <a:ea typeface="Microsoft JhengHei" pitchFamily="34" charset="-120"/>
+              </a:rPr>
+              <a:t> 像</a:t>
+            </a:r>
+            <a:r>
+              <a:rPr lang="zh-TW" altLang="en-US" sz="4800" b="1" dirty="0">
+                <a:solidFill>
+                  <a:srgbClr val="000066"/>
+                </a:solidFill>
+                <a:latin typeface="Microsoft JhengHei" pitchFamily="34" charset="-120"/>
+                <a:ea typeface="Microsoft JhengHei" pitchFamily="34" charset="-120"/>
+              </a:rPr>
               <a:t>天使同唱和</a:t>
             </a:r>
-            <a:endParaRPr lang="zh-TW" altLang="en-US" sz="4800" b="1" dirty="0">
-              <a:solidFill>
-                <a:srgbClr val="000066"/>
-              </a:solidFill>
-              <a:latin typeface="Microsoft JhengHei" pitchFamily="34" charset="-120"/>
-              <a:ea typeface="Microsoft JhengHei" pitchFamily="34" charset="-120"/>
-            </a:endParaRPr>
           </a:p>
         </p:txBody>
       </p:sp>
     </p:spTree>
     <p:extLst>
       <p:ext uri="{BB962C8B-B14F-4D97-AF65-F5344CB8AC3E}">
-        <p14:creationId xmlns:p14="http://schemas.microsoft.com/office/powerpoint/2010/main" val="3056226154"/>
+        <p14:creationId xmlns:p14="http://schemas.microsoft.com/office/powerpoint/2010/main" val="23463789"/>
       </p:ext>
     </p:extLst>
   </p:cSld>
@@ -4706,7 +4780,17 @@
                 <a:latin typeface="Microsoft JhengHei" pitchFamily="34" charset="-120"/>
                 <a:ea typeface="Microsoft JhengHei" pitchFamily="34" charset="-120"/>
               </a:rPr>
-              <a:t>在我心裡常吟讚美</a:t>
+              <a:t>在我心裡常吟讚</a:t>
+            </a:r>
+            <a:r>
+              <a:rPr lang="zh-TW" altLang="en-US" sz="4800" b="1" dirty="0">
+                <a:solidFill>
+                  <a:srgbClr val="000066"/>
+                </a:solidFill>
+                <a:latin typeface="Microsoft JhengHei" pitchFamily="34" charset="-120"/>
+                <a:ea typeface="Microsoft JhengHei" pitchFamily="34" charset="-120"/>
+              </a:rPr>
+              <a:t>美歌時</a:t>
             </a:r>
             <a:endParaRPr lang="en-US" altLang="zh-TW" sz="4800" b="1" dirty="0">
               <a:solidFill>
@@ -4721,29 +4805,32 @@
               <a:buNone/>
             </a:pPr>
             <a:r>
-              <a:rPr lang="zh-TW" altLang="en-US" sz="4800" b="1" dirty="0">
+              <a:rPr lang="zh-TW" altLang="en-US" sz="4800" b="1" dirty="0" smtClean="0">
                 <a:solidFill>
                   <a:srgbClr val="000066"/>
                 </a:solidFill>
                 <a:latin typeface="Microsoft JhengHei" pitchFamily="34" charset="-120"/>
                 <a:ea typeface="Microsoft JhengHei" pitchFamily="34" charset="-120"/>
               </a:rPr>
-              <a:t>歌時常吟奇妙恩愛歌</a:t>
-            </a:r>
-            <a:endParaRPr lang="zh-TW" altLang="en-US" sz="4800" b="1" dirty="0">
-              <a:solidFill>
-                <a:srgbClr val="000066"/>
-              </a:solidFill>
-              <a:latin typeface="Microsoft JhengHei" pitchFamily="34" charset="-120"/>
-              <a:ea typeface="Microsoft JhengHei" pitchFamily="34" charset="-120"/>
-            </a:endParaRPr>
+              <a:t>常</a:t>
+            </a:r>
+            <a:r>
+              <a:rPr lang="zh-TW" altLang="en-US" sz="4800" b="1" dirty="0">
+                <a:solidFill>
+                  <a:srgbClr val="000066"/>
+                </a:solidFill>
+                <a:latin typeface="Microsoft JhengHei" pitchFamily="34" charset="-120"/>
+                <a:ea typeface="Microsoft JhengHei" pitchFamily="34" charset="-120"/>
+              </a:rPr>
+              <a:t>吟奇妙恩愛歌</a:t>
+            </a:r>
           </a:p>
         </p:txBody>
       </p:sp>
     </p:spTree>
     <p:extLst>
       <p:ext uri="{BB962C8B-B14F-4D97-AF65-F5344CB8AC3E}">
-        <p14:creationId xmlns:p14="http://schemas.microsoft.com/office/powerpoint/2010/main" val="1264471"/>
+        <p14:creationId xmlns:p14="http://schemas.microsoft.com/office/powerpoint/2010/main" val="1904366222"/>
       </p:ext>
     </p:extLst>
   </p:cSld>
